--- a/Materialien/Vergleich_TopDown_BottomUp_PolicyKit.pptx
+++ b/Materialien/Vergleich_TopDown_BottomUp_PolicyKit.pptx
@@ -1,19 +1,114 @@
 
 <file path=ppt/presentation.xml><?xml version="1.0" encoding="utf-8"?>
-<p:presentation xmlns:a="http://schemas.openxmlformats.org/drawingml/2006/main" xmlns:p="http://schemas.openxmlformats.org/presentationml/2006/main" xmlns:r="http://schemas.openxmlformats.org/officeDocument/2006/relationships" xmlns:p14="http://schemas.microsoft.com/office/powerpoint/2010/main" xmlns:p15="http://schemas.microsoft.com/office/powerpoint/2012/main" xmlns:mc="http://schemas.openxmlformats.org/markup-compatibility/2006">
+<p:presentation xmlns:a="http://schemas.openxmlformats.org/drawingml/2006/main" xmlns:r="http://schemas.openxmlformats.org/officeDocument/2006/relationships" xmlns:p="http://schemas.openxmlformats.org/presentationml/2006/main">
   <p:sldMasterIdLst>
-    <p:sldMasterId id="2147483648" r:id="rId2"/>
+    <p:sldMasterId id="2147483648" r:id="rId1"/>
   </p:sldMasterIdLst>
   <p:sldIdLst>
-    <p:sldId id="256" r:id="rId3"/>
+    <p:sldId id="256" r:id="rId2"/>
   </p:sldIdLst>
   <p:sldSz cx="12192000" cy="6858000"/>
   <p:notesSz cx="7559675" cy="10691813"/>
+  <p:defaultTextStyle>
+    <a:defPPr>
+      <a:defRPr lang="de-DE"/>
+    </a:defPPr>
+    <a:lvl1pPr marL="0" algn="l" defTabSz="914400" rtl="0" eaLnBrk="1" latinLnBrk="0" hangingPunct="1">
+      <a:defRPr sz="1800" kern="1200">
+        <a:solidFill>
+          <a:schemeClr val="tx1"/>
+        </a:solidFill>
+        <a:latin typeface="+mn-lt"/>
+        <a:ea typeface="+mn-ea"/>
+        <a:cs typeface="+mn-cs"/>
+      </a:defRPr>
+    </a:lvl1pPr>
+    <a:lvl2pPr marL="457200" algn="l" defTabSz="914400" rtl="0" eaLnBrk="1" latinLnBrk="0" hangingPunct="1">
+      <a:defRPr sz="1800" kern="1200">
+        <a:solidFill>
+          <a:schemeClr val="tx1"/>
+        </a:solidFill>
+        <a:latin typeface="+mn-lt"/>
+        <a:ea typeface="+mn-ea"/>
+        <a:cs typeface="+mn-cs"/>
+      </a:defRPr>
+    </a:lvl2pPr>
+    <a:lvl3pPr marL="914400" algn="l" defTabSz="914400" rtl="0" eaLnBrk="1" latinLnBrk="0" hangingPunct="1">
+      <a:defRPr sz="1800" kern="1200">
+        <a:solidFill>
+          <a:schemeClr val="tx1"/>
+        </a:solidFill>
+        <a:latin typeface="+mn-lt"/>
+        <a:ea typeface="+mn-ea"/>
+        <a:cs typeface="+mn-cs"/>
+      </a:defRPr>
+    </a:lvl3pPr>
+    <a:lvl4pPr marL="1371600" algn="l" defTabSz="914400" rtl="0" eaLnBrk="1" latinLnBrk="0" hangingPunct="1">
+      <a:defRPr sz="1800" kern="1200">
+        <a:solidFill>
+          <a:schemeClr val="tx1"/>
+        </a:solidFill>
+        <a:latin typeface="+mn-lt"/>
+        <a:ea typeface="+mn-ea"/>
+        <a:cs typeface="+mn-cs"/>
+      </a:defRPr>
+    </a:lvl4pPr>
+    <a:lvl5pPr marL="1828800" algn="l" defTabSz="914400" rtl="0" eaLnBrk="1" latinLnBrk="0" hangingPunct="1">
+      <a:defRPr sz="1800" kern="1200">
+        <a:solidFill>
+          <a:schemeClr val="tx1"/>
+        </a:solidFill>
+        <a:latin typeface="+mn-lt"/>
+        <a:ea typeface="+mn-ea"/>
+        <a:cs typeface="+mn-cs"/>
+      </a:defRPr>
+    </a:lvl5pPr>
+    <a:lvl6pPr marL="2286000" algn="l" defTabSz="914400" rtl="0" eaLnBrk="1" latinLnBrk="0" hangingPunct="1">
+      <a:defRPr sz="1800" kern="1200">
+        <a:solidFill>
+          <a:schemeClr val="tx1"/>
+        </a:solidFill>
+        <a:latin typeface="+mn-lt"/>
+        <a:ea typeface="+mn-ea"/>
+        <a:cs typeface="+mn-cs"/>
+      </a:defRPr>
+    </a:lvl6pPr>
+    <a:lvl7pPr marL="2743200" algn="l" defTabSz="914400" rtl="0" eaLnBrk="1" latinLnBrk="0" hangingPunct="1">
+      <a:defRPr sz="1800" kern="1200">
+        <a:solidFill>
+          <a:schemeClr val="tx1"/>
+        </a:solidFill>
+        <a:latin typeface="+mn-lt"/>
+        <a:ea typeface="+mn-ea"/>
+        <a:cs typeface="+mn-cs"/>
+      </a:defRPr>
+    </a:lvl7pPr>
+    <a:lvl8pPr marL="3200400" algn="l" defTabSz="914400" rtl="0" eaLnBrk="1" latinLnBrk="0" hangingPunct="1">
+      <a:defRPr sz="1800" kern="1200">
+        <a:solidFill>
+          <a:schemeClr val="tx1"/>
+        </a:solidFill>
+        <a:latin typeface="+mn-lt"/>
+        <a:ea typeface="+mn-ea"/>
+        <a:cs typeface="+mn-cs"/>
+      </a:defRPr>
+    </a:lvl8pPr>
+    <a:lvl9pPr marL="3657600" algn="l" defTabSz="914400" rtl="0" eaLnBrk="1" latinLnBrk="0" hangingPunct="1">
+      <a:defRPr sz="1800" kern="1200">
+        <a:solidFill>
+          <a:schemeClr val="tx1"/>
+        </a:solidFill>
+        <a:latin typeface="+mn-lt"/>
+        <a:ea typeface="+mn-ea"/>
+        <a:cs typeface="+mn-cs"/>
+      </a:defRPr>
+    </a:lvl9pPr>
+  </p:defaultTextStyle>
 </p:presentation>
 </file>
 
 <file path=ppt/slideLayouts/slideLayout1.xml><?xml version="1.0" encoding="utf-8"?>
-<p:sldLayout xmlns:a="http://schemas.openxmlformats.org/drawingml/2006/main" xmlns:p="http://schemas.openxmlformats.org/presentationml/2006/main" xmlns:r="http://schemas.openxmlformats.org/officeDocument/2006/relationships" xmlns:p14="http://schemas.microsoft.com/office/powerpoint/2010/main" xmlns:p15="http://schemas.microsoft.com/office/powerpoint/2012/main" xmlns:mc="http://schemas.openxmlformats.org/markup-compatibility/2006" type="blank" preserve="1">
+<p:sldLayout xmlns:a="http://schemas.openxmlformats.org/drawingml/2006/main" xmlns:r="http://schemas.openxmlformats.org/officeDocument/2006/relationships" xmlns:p="http://schemas.openxmlformats.org/presentationml/2006/main" type="blank" preserve="1">
   <p:cSld name="Blank Slide">
     <p:spTree>
       <p:nvGrpSpPr>
@@ -42,6 +137,7 @@
         <p:spPr/>
         <p:txBody>
           <a:bodyPr/>
+          <a:lstStyle/>
           <a:p>
             <a:r>
               <a:t>Footer</a:t>
@@ -62,10 +158,12 @@
         <p:spPr/>
         <p:txBody>
           <a:bodyPr/>
+          <a:lstStyle/>
           <a:p>
             <a:fld id="{0C253CF6-DFE7-42E3-A578-B42A41360DE6}" type="slidenum">
-              <a:t>&lt;#&gt;</a:t>
+              <a:t>‹Nr.›</a:t>
             </a:fld>
+            <a:endParaRPr/>
           </a:p>
         </p:txBody>
       </p:sp>
@@ -82,21 +180,22 @@
         <p:spPr/>
         <p:txBody>
           <a:bodyPr/>
-          <a:p>
-            <a:r>
-              <a:rPr lang="de-DE"/>
-              <a:t/>
-            </a:r>
+          <a:lstStyle/>
+          <a:p>
+            <a:endParaRPr/>
           </a:p>
         </p:txBody>
       </p:sp>
     </p:spTree>
   </p:cSld>
+  <p:clrMapOvr>
+    <a:masterClrMapping/>
+  </p:clrMapOvr>
 </p:sldLayout>
 </file>
 
 <file path=ppt/slideLayouts/slideLayout10.xml><?xml version="1.0" encoding="utf-8"?>
-<p:sldLayout xmlns:a="http://schemas.openxmlformats.org/drawingml/2006/main" xmlns:p="http://schemas.openxmlformats.org/presentationml/2006/main" xmlns:r="http://schemas.openxmlformats.org/officeDocument/2006/relationships" xmlns:p14="http://schemas.microsoft.com/office/powerpoint/2010/main" xmlns:p15="http://schemas.microsoft.com/office/powerpoint/2012/main" xmlns:mc="http://schemas.openxmlformats.org/markup-compatibility/2006" type="objOverTx" preserve="1">
+<p:sldLayout xmlns:a="http://schemas.openxmlformats.org/drawingml/2006/main" xmlns:r="http://schemas.openxmlformats.org/officeDocument/2006/relationships" xmlns:p="http://schemas.openxmlformats.org/presentationml/2006/main" type="objOverTx" preserve="1">
   <p:cSld name="Title, Content over Content">
     <p:spTree>
       <p:nvGrpSpPr>
@@ -136,11 +235,12 @@
           </a:ln>
         </p:spPr>
         <p:txBody>
-          <a:bodyPr lIns="0" rIns="0" tIns="0" bIns="0" anchor="ctr">
+          <a:bodyPr lIns="0" tIns="0" rIns="0" bIns="0" anchor="ctr">
             <a:noAutofit/>
           </a:bodyPr>
-          <a:p>
-            <a:endParaRPr b="0" lang="de-DE" sz="1800" spc="-1" strike="noStrike">
+          <a:lstStyle/>
+          <a:p>
+            <a:endParaRPr lang="de-DE" sz="1800" b="0" strike="noStrike" spc="-1">
               <a:solidFill>
                 <a:srgbClr val="000000"/>
               </a:solidFill>
@@ -173,9 +273,10 @@
           </a:ln>
         </p:spPr>
         <p:txBody>
-          <a:bodyPr lIns="0" rIns="0" tIns="0" bIns="0" anchor="t">
+          <a:bodyPr lIns="0" tIns="0" rIns="0" bIns="0" anchor="t">
             <a:normAutofit/>
           </a:bodyPr>
+          <a:lstStyle/>
           <a:p>
             <a:pPr>
               <a:lnSpc>
@@ -186,7 +287,7 @@
               </a:spcBef>
               <a:buNone/>
             </a:pPr>
-            <a:endParaRPr b="0" lang="de-DE" sz="2800" spc="-1" strike="noStrike">
+            <a:endParaRPr lang="de-DE" sz="2800" b="0" strike="noStrike" spc="-1">
               <a:solidFill>
                 <a:srgbClr val="000000"/>
               </a:solidFill>
@@ -219,9 +320,10 @@
           </a:ln>
         </p:spPr>
         <p:txBody>
-          <a:bodyPr lIns="0" rIns="0" tIns="0" bIns="0" anchor="t">
+          <a:bodyPr lIns="0" tIns="0" rIns="0" bIns="0" anchor="t">
             <a:normAutofit/>
           </a:bodyPr>
+          <a:lstStyle/>
           <a:p>
             <a:pPr>
               <a:lnSpc>
@@ -232,7 +334,7 @@
               </a:spcBef>
               <a:buNone/>
             </a:pPr>
-            <a:endParaRPr b="0" lang="de-DE" sz="2800" spc="-1" strike="noStrike">
+            <a:endParaRPr lang="de-DE" sz="2800" b="0" strike="noStrike" spc="-1">
               <a:solidFill>
                 <a:srgbClr val="000000"/>
               </a:solidFill>
@@ -254,6 +356,7 @@
         <p:spPr/>
         <p:txBody>
           <a:bodyPr/>
+          <a:lstStyle/>
           <a:p>
             <a:r>
               <a:t>Footer</a:t>
@@ -274,10 +377,12 @@
         <p:spPr/>
         <p:txBody>
           <a:bodyPr/>
+          <a:lstStyle/>
           <a:p>
             <a:fld id="{3ADD219B-EB8E-4B17-9D5B-3252622882D4}" type="slidenum">
-              <a:t>&lt;#&gt;</a:t>
+              <a:t>‹Nr.›</a:t>
             </a:fld>
+            <a:endParaRPr/>
           </a:p>
         </p:txBody>
       </p:sp>
@@ -294,21 +399,22 @@
         <p:spPr/>
         <p:txBody>
           <a:bodyPr/>
-          <a:p>
-            <a:r>
-              <a:rPr lang="de-DE"/>
-              <a:t/>
-            </a:r>
+          <a:lstStyle/>
+          <a:p>
+            <a:endParaRPr/>
           </a:p>
         </p:txBody>
       </p:sp>
     </p:spTree>
   </p:cSld>
+  <p:clrMapOvr>
+    <a:masterClrMapping/>
+  </p:clrMapOvr>
 </p:sldLayout>
 </file>
 
 <file path=ppt/slideLayouts/slideLayout11.xml><?xml version="1.0" encoding="utf-8"?>
-<p:sldLayout xmlns:a="http://schemas.openxmlformats.org/drawingml/2006/main" xmlns:p="http://schemas.openxmlformats.org/presentationml/2006/main" xmlns:r="http://schemas.openxmlformats.org/officeDocument/2006/relationships" xmlns:p14="http://schemas.microsoft.com/office/powerpoint/2010/main" xmlns:p15="http://schemas.microsoft.com/office/powerpoint/2012/main" xmlns:mc="http://schemas.openxmlformats.org/markup-compatibility/2006" type="fourObj" preserve="1">
+<p:sldLayout xmlns:a="http://schemas.openxmlformats.org/drawingml/2006/main" xmlns:r="http://schemas.openxmlformats.org/officeDocument/2006/relationships" xmlns:p="http://schemas.openxmlformats.org/presentationml/2006/main" type="fourObj" preserve="1">
   <p:cSld name="Title, 4 Content">
     <p:spTree>
       <p:nvGrpSpPr>
@@ -348,11 +454,12 @@
           </a:ln>
         </p:spPr>
         <p:txBody>
-          <a:bodyPr lIns="0" rIns="0" tIns="0" bIns="0" anchor="ctr">
+          <a:bodyPr lIns="0" tIns="0" rIns="0" bIns="0" anchor="ctr">
             <a:noAutofit/>
           </a:bodyPr>
-          <a:p>
-            <a:endParaRPr b="0" lang="de-DE" sz="1800" spc="-1" strike="noStrike">
+          <a:lstStyle/>
+          <a:p>
+            <a:endParaRPr lang="de-DE" sz="1800" b="0" strike="noStrike" spc="-1">
               <a:solidFill>
                 <a:srgbClr val="000000"/>
               </a:solidFill>
@@ -385,9 +492,10 @@
           </a:ln>
         </p:spPr>
         <p:txBody>
-          <a:bodyPr lIns="0" rIns="0" tIns="0" bIns="0" anchor="t">
+          <a:bodyPr lIns="0" tIns="0" rIns="0" bIns="0" anchor="t">
             <a:normAutofit/>
           </a:bodyPr>
+          <a:lstStyle/>
           <a:p>
             <a:pPr>
               <a:lnSpc>
@@ -398,7 +506,7 @@
               </a:spcBef>
               <a:buNone/>
             </a:pPr>
-            <a:endParaRPr b="0" lang="de-DE" sz="2800" spc="-1" strike="noStrike">
+            <a:endParaRPr lang="de-DE" sz="2800" b="0" strike="noStrike" spc="-1">
               <a:solidFill>
                 <a:srgbClr val="000000"/>
               </a:solidFill>
@@ -431,9 +539,10 @@
           </a:ln>
         </p:spPr>
         <p:txBody>
-          <a:bodyPr lIns="0" rIns="0" tIns="0" bIns="0" anchor="t">
+          <a:bodyPr lIns="0" tIns="0" rIns="0" bIns="0" anchor="t">
             <a:normAutofit/>
           </a:bodyPr>
+          <a:lstStyle/>
           <a:p>
             <a:pPr>
               <a:lnSpc>
@@ -444,7 +553,7 @@
               </a:spcBef>
               <a:buNone/>
             </a:pPr>
-            <a:endParaRPr b="0" lang="de-DE" sz="2800" spc="-1" strike="noStrike">
+            <a:endParaRPr lang="de-DE" sz="2800" b="0" strike="noStrike" spc="-1">
               <a:solidFill>
                 <a:srgbClr val="000000"/>
               </a:solidFill>
@@ -477,9 +586,10 @@
           </a:ln>
         </p:spPr>
         <p:txBody>
-          <a:bodyPr lIns="0" rIns="0" tIns="0" bIns="0" anchor="t">
+          <a:bodyPr lIns="0" tIns="0" rIns="0" bIns="0" anchor="t">
             <a:normAutofit/>
           </a:bodyPr>
+          <a:lstStyle/>
           <a:p>
             <a:pPr>
               <a:lnSpc>
@@ -490,7 +600,7 @@
               </a:spcBef>
               <a:buNone/>
             </a:pPr>
-            <a:endParaRPr b="0" lang="de-DE" sz="2800" spc="-1" strike="noStrike">
+            <a:endParaRPr lang="de-DE" sz="2800" b="0" strike="noStrike" spc="-1">
               <a:solidFill>
                 <a:srgbClr val="000000"/>
               </a:solidFill>
@@ -523,9 +633,10 @@
           </a:ln>
         </p:spPr>
         <p:txBody>
-          <a:bodyPr lIns="0" rIns="0" tIns="0" bIns="0" anchor="t">
+          <a:bodyPr lIns="0" tIns="0" rIns="0" bIns="0" anchor="t">
             <a:normAutofit/>
           </a:bodyPr>
+          <a:lstStyle/>
           <a:p>
             <a:pPr>
               <a:lnSpc>
@@ -536,7 +647,7 @@
               </a:spcBef>
               <a:buNone/>
             </a:pPr>
-            <a:endParaRPr b="0" lang="de-DE" sz="2800" spc="-1" strike="noStrike">
+            <a:endParaRPr lang="de-DE" sz="2800" b="0" strike="noStrike" spc="-1">
               <a:solidFill>
                 <a:srgbClr val="000000"/>
               </a:solidFill>
@@ -558,6 +669,7 @@
         <p:spPr/>
         <p:txBody>
           <a:bodyPr/>
+          <a:lstStyle/>
           <a:p>
             <a:r>
               <a:t>Footer</a:t>
@@ -578,10 +690,12 @@
         <p:spPr/>
         <p:txBody>
           <a:bodyPr/>
+          <a:lstStyle/>
           <a:p>
             <a:fld id="{79C0CE1C-E915-4295-862C-91A7832050BF}" type="slidenum">
-              <a:t>&lt;#&gt;</a:t>
+              <a:t>‹Nr.›</a:t>
             </a:fld>
+            <a:endParaRPr/>
           </a:p>
         </p:txBody>
       </p:sp>
@@ -598,21 +712,22 @@
         <p:spPr/>
         <p:txBody>
           <a:bodyPr/>
-          <a:p>
-            <a:r>
-              <a:rPr lang="de-DE"/>
-              <a:t/>
-            </a:r>
+          <a:lstStyle/>
+          <a:p>
+            <a:endParaRPr/>
           </a:p>
         </p:txBody>
       </p:sp>
     </p:spTree>
   </p:cSld>
+  <p:clrMapOvr>
+    <a:masterClrMapping/>
+  </p:clrMapOvr>
 </p:sldLayout>
 </file>
 
 <file path=ppt/slideLayouts/slideLayout12.xml><?xml version="1.0" encoding="utf-8"?>
-<p:sldLayout xmlns:a="http://schemas.openxmlformats.org/drawingml/2006/main" xmlns:p="http://schemas.openxmlformats.org/presentationml/2006/main" xmlns:r="http://schemas.openxmlformats.org/officeDocument/2006/relationships" xmlns:p14="http://schemas.microsoft.com/office/powerpoint/2010/main" xmlns:p15="http://schemas.microsoft.com/office/powerpoint/2012/main" xmlns:mc="http://schemas.openxmlformats.org/markup-compatibility/2006" type="blank" preserve="1">
+<p:sldLayout xmlns:a="http://schemas.openxmlformats.org/drawingml/2006/main" xmlns:r="http://schemas.openxmlformats.org/officeDocument/2006/relationships" xmlns:p="http://schemas.openxmlformats.org/presentationml/2006/main" type="blank" preserve="1">
   <p:cSld name="Title, 6 Content">
     <p:spTree>
       <p:nvGrpSpPr>
@@ -652,11 +767,12 @@
           </a:ln>
         </p:spPr>
         <p:txBody>
-          <a:bodyPr lIns="0" rIns="0" tIns="0" bIns="0" anchor="ctr">
+          <a:bodyPr lIns="0" tIns="0" rIns="0" bIns="0" anchor="ctr">
             <a:noAutofit/>
           </a:bodyPr>
-          <a:p>
-            <a:endParaRPr b="0" lang="de-DE" sz="1800" spc="-1" strike="noStrike">
+          <a:lstStyle/>
+          <a:p>
+            <a:endParaRPr lang="de-DE" sz="1800" b="0" strike="noStrike" spc="-1">
               <a:solidFill>
                 <a:srgbClr val="000000"/>
               </a:solidFill>
@@ -689,9 +805,10 @@
           </a:ln>
         </p:spPr>
         <p:txBody>
-          <a:bodyPr lIns="0" rIns="0" tIns="0" bIns="0" anchor="t">
+          <a:bodyPr lIns="0" tIns="0" rIns="0" bIns="0" anchor="t">
             <a:normAutofit/>
           </a:bodyPr>
+          <a:lstStyle/>
           <a:p>
             <a:pPr>
               <a:lnSpc>
@@ -702,7 +819,7 @@
               </a:spcBef>
               <a:buNone/>
             </a:pPr>
-            <a:endParaRPr b="0" lang="de-DE" sz="2800" spc="-1" strike="noStrike">
+            <a:endParaRPr lang="de-DE" sz="2800" b="0" strike="noStrike" spc="-1">
               <a:solidFill>
                 <a:srgbClr val="000000"/>
               </a:solidFill>
@@ -735,9 +852,10 @@
           </a:ln>
         </p:spPr>
         <p:txBody>
-          <a:bodyPr lIns="0" rIns="0" tIns="0" bIns="0" anchor="t">
+          <a:bodyPr lIns="0" tIns="0" rIns="0" bIns="0" anchor="t">
             <a:normAutofit/>
           </a:bodyPr>
+          <a:lstStyle/>
           <a:p>
             <a:pPr>
               <a:lnSpc>
@@ -748,7 +866,7 @@
               </a:spcBef>
               <a:buNone/>
             </a:pPr>
-            <a:endParaRPr b="0" lang="de-DE" sz="2800" spc="-1" strike="noStrike">
+            <a:endParaRPr lang="de-DE" sz="2800" b="0" strike="noStrike" spc="-1">
               <a:solidFill>
                 <a:srgbClr val="000000"/>
               </a:solidFill>
@@ -781,9 +899,10 @@
           </a:ln>
         </p:spPr>
         <p:txBody>
-          <a:bodyPr lIns="0" rIns="0" tIns="0" bIns="0" anchor="t">
+          <a:bodyPr lIns="0" tIns="0" rIns="0" bIns="0" anchor="t">
             <a:normAutofit/>
           </a:bodyPr>
+          <a:lstStyle/>
           <a:p>
             <a:pPr>
               <a:lnSpc>
@@ -794,7 +913,7 @@
               </a:spcBef>
               <a:buNone/>
             </a:pPr>
-            <a:endParaRPr b="0" lang="de-DE" sz="2800" spc="-1" strike="noStrike">
+            <a:endParaRPr lang="de-DE" sz="2800" b="0" strike="noStrike" spc="-1">
               <a:solidFill>
                 <a:srgbClr val="000000"/>
               </a:solidFill>
@@ -827,9 +946,10 @@
           </a:ln>
         </p:spPr>
         <p:txBody>
-          <a:bodyPr lIns="0" rIns="0" tIns="0" bIns="0" anchor="t">
+          <a:bodyPr lIns="0" tIns="0" rIns="0" bIns="0" anchor="t">
             <a:normAutofit/>
           </a:bodyPr>
+          <a:lstStyle/>
           <a:p>
             <a:pPr>
               <a:lnSpc>
@@ -840,7 +960,7 @@
               </a:spcBef>
               <a:buNone/>
             </a:pPr>
-            <a:endParaRPr b="0" lang="de-DE" sz="2800" spc="-1" strike="noStrike">
+            <a:endParaRPr lang="de-DE" sz="2800" b="0" strike="noStrike" spc="-1">
               <a:solidFill>
                 <a:srgbClr val="000000"/>
               </a:solidFill>
@@ -873,9 +993,10 @@
           </a:ln>
         </p:spPr>
         <p:txBody>
-          <a:bodyPr lIns="0" rIns="0" tIns="0" bIns="0" anchor="t">
+          <a:bodyPr lIns="0" tIns="0" rIns="0" bIns="0" anchor="t">
             <a:normAutofit/>
           </a:bodyPr>
+          <a:lstStyle/>
           <a:p>
             <a:pPr>
               <a:lnSpc>
@@ -886,7 +1007,7 @@
               </a:spcBef>
               <a:buNone/>
             </a:pPr>
-            <a:endParaRPr b="0" lang="de-DE" sz="2800" spc="-1" strike="noStrike">
+            <a:endParaRPr lang="de-DE" sz="2800" b="0" strike="noStrike" spc="-1">
               <a:solidFill>
                 <a:srgbClr val="000000"/>
               </a:solidFill>
@@ -919,9 +1040,10 @@
           </a:ln>
         </p:spPr>
         <p:txBody>
-          <a:bodyPr lIns="0" rIns="0" tIns="0" bIns="0" anchor="t">
+          <a:bodyPr lIns="0" tIns="0" rIns="0" bIns="0" anchor="t">
             <a:normAutofit/>
           </a:bodyPr>
+          <a:lstStyle/>
           <a:p>
             <a:pPr>
               <a:lnSpc>
@@ -932,7 +1054,7 @@
               </a:spcBef>
               <a:buNone/>
             </a:pPr>
-            <a:endParaRPr b="0" lang="de-DE" sz="2800" spc="-1" strike="noStrike">
+            <a:endParaRPr lang="de-DE" sz="2800" b="0" strike="noStrike" spc="-1">
               <a:solidFill>
                 <a:srgbClr val="000000"/>
               </a:solidFill>
@@ -954,6 +1076,7 @@
         <p:spPr/>
         <p:txBody>
           <a:bodyPr/>
+          <a:lstStyle/>
           <a:p>
             <a:r>
               <a:t>Footer</a:t>
@@ -974,10 +1097,12 @@
         <p:spPr/>
         <p:txBody>
           <a:bodyPr/>
+          <a:lstStyle/>
           <a:p>
             <a:fld id="{A07F520A-8778-4754-986E-C08D8081EC29}" type="slidenum">
-              <a:t>&lt;#&gt;</a:t>
+              <a:t>‹Nr.›</a:t>
             </a:fld>
+            <a:endParaRPr/>
           </a:p>
         </p:txBody>
       </p:sp>
@@ -994,21 +1119,22 @@
         <p:spPr/>
         <p:txBody>
           <a:bodyPr/>
-          <a:p>
-            <a:r>
-              <a:rPr lang="de-DE"/>
-              <a:t/>
-            </a:r>
+          <a:lstStyle/>
+          <a:p>
+            <a:endParaRPr/>
           </a:p>
         </p:txBody>
       </p:sp>
     </p:spTree>
   </p:cSld>
+  <p:clrMapOvr>
+    <a:masterClrMapping/>
+  </p:clrMapOvr>
 </p:sldLayout>
 </file>
 
 <file path=ppt/slideLayouts/slideLayout2.xml><?xml version="1.0" encoding="utf-8"?>
-<p:sldLayout xmlns:a="http://schemas.openxmlformats.org/drawingml/2006/main" xmlns:p="http://schemas.openxmlformats.org/presentationml/2006/main" xmlns:r="http://schemas.openxmlformats.org/officeDocument/2006/relationships" xmlns:p14="http://schemas.microsoft.com/office/powerpoint/2010/main" xmlns:p15="http://schemas.microsoft.com/office/powerpoint/2012/main" xmlns:mc="http://schemas.openxmlformats.org/markup-compatibility/2006" type="tx" preserve="1">
+<p:sldLayout xmlns:a="http://schemas.openxmlformats.org/drawingml/2006/main" xmlns:r="http://schemas.openxmlformats.org/officeDocument/2006/relationships" xmlns:p="http://schemas.openxmlformats.org/presentationml/2006/main" type="tx" preserve="1">
   <p:cSld name="Title Slide">
     <p:spTree>
       <p:nvGrpSpPr>
@@ -1048,11 +1174,12 @@
           </a:ln>
         </p:spPr>
         <p:txBody>
-          <a:bodyPr lIns="0" rIns="0" tIns="0" bIns="0" anchor="ctr">
+          <a:bodyPr lIns="0" tIns="0" rIns="0" bIns="0" anchor="ctr">
             <a:noAutofit/>
           </a:bodyPr>
-          <a:p>
-            <a:endParaRPr b="0" lang="de-DE" sz="1800" spc="-1" strike="noStrike">
+          <a:lstStyle/>
+          <a:p>
+            <a:endParaRPr lang="de-DE" sz="1800" b="0" strike="noStrike" spc="-1">
               <a:solidFill>
                 <a:srgbClr val="000000"/>
               </a:solidFill>
@@ -1085,14 +1212,15 @@
           </a:ln>
         </p:spPr>
         <p:txBody>
-          <a:bodyPr lIns="0" rIns="0" tIns="0" bIns="0" anchor="ctr">
+          <a:bodyPr lIns="0" tIns="0" rIns="0" bIns="0" anchor="ctr">
             <a:noAutofit/>
           </a:bodyPr>
+          <a:lstStyle/>
           <a:p>
             <a:pPr algn="ctr">
               <a:buNone/>
             </a:pPr>
-            <a:endParaRPr b="0" lang="de-DE" sz="3200" spc="-1" strike="noStrike">
+            <a:endParaRPr lang="de-DE" sz="3200" b="0" strike="noStrike" spc="-1">
               <a:latin typeface="Arial"/>
             </a:endParaRPr>
           </a:p>
@@ -1111,6 +1239,7 @@
         <p:spPr/>
         <p:txBody>
           <a:bodyPr/>
+          <a:lstStyle/>
           <a:p>
             <a:r>
               <a:t>Footer</a:t>
@@ -1120,7 +1249,7 @@
       </p:sp>
       <p:sp>
         <p:nvSpPr>
-          <p:cNvPr id="5" name="PlaceHolder 4"/>
+          <p:cNvPr id="2" name="PlaceHolder 4"/>
           <p:cNvSpPr>
             <a:spLocks noGrp="1"/>
           </p:cNvSpPr>
@@ -1131,16 +1260,18 @@
         <p:spPr/>
         <p:txBody>
           <a:bodyPr/>
+          <a:lstStyle/>
           <a:p>
             <a:fld id="{83090B27-F826-4A66-AB30-C2712353FB0E}" type="slidenum">
-              <a:t>&lt;#&gt;</a:t>
+              <a:t>‹Nr.›</a:t>
             </a:fld>
-          </a:p>
-        </p:txBody>
-      </p:sp>
-      <p:sp>
-        <p:nvSpPr>
-          <p:cNvPr id="6" name="PlaceHolder 5"/>
+            <a:endParaRPr/>
+          </a:p>
+        </p:txBody>
+      </p:sp>
+      <p:sp>
+        <p:nvSpPr>
+          <p:cNvPr id="3" name="PlaceHolder 5"/>
           <p:cNvSpPr>
             <a:spLocks noGrp="1"/>
           </p:cNvSpPr>
@@ -1151,21 +1282,22 @@
         <p:spPr/>
         <p:txBody>
           <a:bodyPr/>
-          <a:p>
-            <a:r>
-              <a:rPr lang="de-DE"/>
-              <a:t/>
-            </a:r>
+          <a:lstStyle/>
+          <a:p>
+            <a:endParaRPr/>
           </a:p>
         </p:txBody>
       </p:sp>
     </p:spTree>
   </p:cSld>
+  <p:clrMapOvr>
+    <a:masterClrMapping/>
+  </p:clrMapOvr>
 </p:sldLayout>
 </file>
 
 <file path=ppt/slideLayouts/slideLayout3.xml><?xml version="1.0" encoding="utf-8"?>
-<p:sldLayout xmlns:a="http://schemas.openxmlformats.org/drawingml/2006/main" xmlns:p="http://schemas.openxmlformats.org/presentationml/2006/main" xmlns:r="http://schemas.openxmlformats.org/officeDocument/2006/relationships" xmlns:p14="http://schemas.microsoft.com/office/powerpoint/2010/main" xmlns:p15="http://schemas.microsoft.com/office/powerpoint/2012/main" xmlns:mc="http://schemas.openxmlformats.org/markup-compatibility/2006" type="obj" preserve="1">
+<p:sldLayout xmlns:a="http://schemas.openxmlformats.org/drawingml/2006/main" xmlns:r="http://schemas.openxmlformats.org/officeDocument/2006/relationships" xmlns:p="http://schemas.openxmlformats.org/presentationml/2006/main" type="obj" preserve="1">
   <p:cSld name="Title, Content">
     <p:spTree>
       <p:nvGrpSpPr>
@@ -1205,11 +1337,12 @@
           </a:ln>
         </p:spPr>
         <p:txBody>
-          <a:bodyPr lIns="0" rIns="0" tIns="0" bIns="0" anchor="ctr">
+          <a:bodyPr lIns="0" tIns="0" rIns="0" bIns="0" anchor="ctr">
             <a:noAutofit/>
           </a:bodyPr>
-          <a:p>
-            <a:endParaRPr b="0" lang="de-DE" sz="1800" spc="-1" strike="noStrike">
+          <a:lstStyle/>
+          <a:p>
+            <a:endParaRPr lang="de-DE" sz="1800" b="0" strike="noStrike" spc="-1">
               <a:solidFill>
                 <a:srgbClr val="000000"/>
               </a:solidFill>
@@ -1242,9 +1375,10 @@
           </a:ln>
         </p:spPr>
         <p:txBody>
-          <a:bodyPr lIns="0" rIns="0" tIns="0" bIns="0" anchor="t">
+          <a:bodyPr lIns="0" tIns="0" rIns="0" bIns="0" anchor="t">
             <a:normAutofit/>
           </a:bodyPr>
+          <a:lstStyle/>
           <a:p>
             <a:pPr>
               <a:lnSpc>
@@ -1255,7 +1389,7 @@
               </a:spcBef>
               <a:buNone/>
             </a:pPr>
-            <a:endParaRPr b="0" lang="de-DE" sz="2800" spc="-1" strike="noStrike">
+            <a:endParaRPr lang="de-DE" sz="2800" b="0" strike="noStrike" spc="-1">
               <a:solidFill>
                 <a:srgbClr val="000000"/>
               </a:solidFill>
@@ -1277,6 +1411,7 @@
         <p:spPr/>
         <p:txBody>
           <a:bodyPr/>
+          <a:lstStyle/>
           <a:p>
             <a:r>
               <a:t>Footer</a:t>
@@ -1297,10 +1432,12 @@
         <p:spPr/>
         <p:txBody>
           <a:bodyPr/>
+          <a:lstStyle/>
           <a:p>
             <a:fld id="{AC70046B-8E2C-42FC-BCA0-C0BFAF6D3171}" type="slidenum">
-              <a:t>&lt;#&gt;</a:t>
+              <a:t>‹Nr.›</a:t>
             </a:fld>
+            <a:endParaRPr/>
           </a:p>
         </p:txBody>
       </p:sp>
@@ -1317,21 +1454,22 @@
         <p:spPr/>
         <p:txBody>
           <a:bodyPr/>
-          <a:p>
-            <a:r>
-              <a:rPr lang="de-DE"/>
-              <a:t/>
-            </a:r>
+          <a:lstStyle/>
+          <a:p>
+            <a:endParaRPr/>
           </a:p>
         </p:txBody>
       </p:sp>
     </p:spTree>
   </p:cSld>
+  <p:clrMapOvr>
+    <a:masterClrMapping/>
+  </p:clrMapOvr>
 </p:sldLayout>
 </file>
 
 <file path=ppt/slideLayouts/slideLayout4.xml><?xml version="1.0" encoding="utf-8"?>
-<p:sldLayout xmlns:a="http://schemas.openxmlformats.org/drawingml/2006/main" xmlns:p="http://schemas.openxmlformats.org/presentationml/2006/main" xmlns:r="http://schemas.openxmlformats.org/officeDocument/2006/relationships" xmlns:p14="http://schemas.microsoft.com/office/powerpoint/2010/main" xmlns:p15="http://schemas.microsoft.com/office/powerpoint/2012/main" xmlns:mc="http://schemas.openxmlformats.org/markup-compatibility/2006" type="twoObj" preserve="1">
+<p:sldLayout xmlns:a="http://schemas.openxmlformats.org/drawingml/2006/main" xmlns:r="http://schemas.openxmlformats.org/officeDocument/2006/relationships" xmlns:p="http://schemas.openxmlformats.org/presentationml/2006/main" type="twoObj" preserve="1">
   <p:cSld name="Title, 2 Content">
     <p:spTree>
       <p:nvGrpSpPr>
@@ -1371,11 +1509,12 @@
           </a:ln>
         </p:spPr>
         <p:txBody>
-          <a:bodyPr lIns="0" rIns="0" tIns="0" bIns="0" anchor="ctr">
+          <a:bodyPr lIns="0" tIns="0" rIns="0" bIns="0" anchor="ctr">
             <a:noAutofit/>
           </a:bodyPr>
-          <a:p>
-            <a:endParaRPr b="0" lang="de-DE" sz="1800" spc="-1" strike="noStrike">
+          <a:lstStyle/>
+          <a:p>
+            <a:endParaRPr lang="de-DE" sz="1800" b="0" strike="noStrike" spc="-1">
               <a:solidFill>
                 <a:srgbClr val="000000"/>
               </a:solidFill>
@@ -1408,9 +1547,10 @@
           </a:ln>
         </p:spPr>
         <p:txBody>
-          <a:bodyPr lIns="0" rIns="0" tIns="0" bIns="0" anchor="t">
+          <a:bodyPr lIns="0" tIns="0" rIns="0" bIns="0" anchor="t">
             <a:normAutofit/>
           </a:bodyPr>
+          <a:lstStyle/>
           <a:p>
             <a:pPr>
               <a:lnSpc>
@@ -1421,7 +1561,7 @@
               </a:spcBef>
               <a:buNone/>
             </a:pPr>
-            <a:endParaRPr b="0" lang="de-DE" sz="2800" spc="-1" strike="noStrike">
+            <a:endParaRPr lang="de-DE" sz="2800" b="0" strike="noStrike" spc="-1">
               <a:solidFill>
                 <a:srgbClr val="000000"/>
               </a:solidFill>
@@ -1454,9 +1594,10 @@
           </a:ln>
         </p:spPr>
         <p:txBody>
-          <a:bodyPr lIns="0" rIns="0" tIns="0" bIns="0" anchor="t">
+          <a:bodyPr lIns="0" tIns="0" rIns="0" bIns="0" anchor="t">
             <a:normAutofit/>
           </a:bodyPr>
+          <a:lstStyle/>
           <a:p>
             <a:pPr>
               <a:lnSpc>
@@ -1467,7 +1608,7 @@
               </a:spcBef>
               <a:buNone/>
             </a:pPr>
-            <a:endParaRPr b="0" lang="de-DE" sz="2800" spc="-1" strike="noStrike">
+            <a:endParaRPr lang="de-DE" sz="2800" b="0" strike="noStrike" spc="-1">
               <a:solidFill>
                 <a:srgbClr val="000000"/>
               </a:solidFill>
@@ -1489,6 +1630,7 @@
         <p:spPr/>
         <p:txBody>
           <a:bodyPr/>
+          <a:lstStyle/>
           <a:p>
             <a:r>
               <a:t>Footer</a:t>
@@ -1509,10 +1651,12 @@
         <p:spPr/>
         <p:txBody>
           <a:bodyPr/>
+          <a:lstStyle/>
           <a:p>
             <a:fld id="{F99E6E32-45F7-4E8C-A1A2-12A05B3E8B62}" type="slidenum">
-              <a:t>&lt;#&gt;</a:t>
+              <a:t>‹Nr.›</a:t>
             </a:fld>
+            <a:endParaRPr/>
           </a:p>
         </p:txBody>
       </p:sp>
@@ -1529,21 +1673,22 @@
         <p:spPr/>
         <p:txBody>
           <a:bodyPr/>
-          <a:p>
-            <a:r>
-              <a:rPr lang="de-DE"/>
-              <a:t/>
-            </a:r>
+          <a:lstStyle/>
+          <a:p>
+            <a:endParaRPr/>
           </a:p>
         </p:txBody>
       </p:sp>
     </p:spTree>
   </p:cSld>
+  <p:clrMapOvr>
+    <a:masterClrMapping/>
+  </p:clrMapOvr>
 </p:sldLayout>
 </file>
 
 <file path=ppt/slideLayouts/slideLayout5.xml><?xml version="1.0" encoding="utf-8"?>
-<p:sldLayout xmlns:a="http://schemas.openxmlformats.org/drawingml/2006/main" xmlns:p="http://schemas.openxmlformats.org/presentationml/2006/main" xmlns:r="http://schemas.openxmlformats.org/officeDocument/2006/relationships" xmlns:p14="http://schemas.microsoft.com/office/powerpoint/2010/main" xmlns:p15="http://schemas.microsoft.com/office/powerpoint/2012/main" xmlns:mc="http://schemas.openxmlformats.org/markup-compatibility/2006" type="titleOnly" preserve="1">
+<p:sldLayout xmlns:a="http://schemas.openxmlformats.org/drawingml/2006/main" xmlns:r="http://schemas.openxmlformats.org/officeDocument/2006/relationships" xmlns:p="http://schemas.openxmlformats.org/presentationml/2006/main" type="titleOnly" preserve="1">
   <p:cSld name="Title Only">
     <p:spTree>
       <p:nvGrpSpPr>
@@ -1583,11 +1728,12 @@
           </a:ln>
         </p:spPr>
         <p:txBody>
-          <a:bodyPr lIns="0" rIns="0" tIns="0" bIns="0" anchor="ctr">
+          <a:bodyPr lIns="0" tIns="0" rIns="0" bIns="0" anchor="ctr">
             <a:noAutofit/>
           </a:bodyPr>
-          <a:p>
-            <a:endParaRPr b="0" lang="de-DE" sz="1800" spc="-1" strike="noStrike">
+          <a:lstStyle/>
+          <a:p>
+            <a:endParaRPr lang="de-DE" sz="1800" b="0" strike="noStrike" spc="-1">
               <a:solidFill>
                 <a:srgbClr val="000000"/>
               </a:solidFill>
@@ -1609,6 +1755,7 @@
         <p:spPr/>
         <p:txBody>
           <a:bodyPr/>
+          <a:lstStyle/>
           <a:p>
             <a:r>
               <a:t>Footer</a:t>
@@ -1629,10 +1776,12 @@
         <p:spPr/>
         <p:txBody>
           <a:bodyPr/>
+          <a:lstStyle/>
           <a:p>
             <a:fld id="{B3BC5CBC-458E-41DE-A151-E5C824F3AAF1}" type="slidenum">
-              <a:t>&lt;#&gt;</a:t>
+              <a:t>‹Nr.›</a:t>
             </a:fld>
+            <a:endParaRPr/>
           </a:p>
         </p:txBody>
       </p:sp>
@@ -1649,21 +1798,22 @@
         <p:spPr/>
         <p:txBody>
           <a:bodyPr/>
-          <a:p>
-            <a:r>
-              <a:rPr lang="de-DE"/>
-              <a:t/>
-            </a:r>
+          <a:lstStyle/>
+          <a:p>
+            <a:endParaRPr/>
           </a:p>
         </p:txBody>
       </p:sp>
     </p:spTree>
   </p:cSld>
+  <p:clrMapOvr>
+    <a:masterClrMapping/>
+  </p:clrMapOvr>
 </p:sldLayout>
 </file>
 
 <file path=ppt/slideLayouts/slideLayout6.xml><?xml version="1.0" encoding="utf-8"?>
-<p:sldLayout xmlns:a="http://schemas.openxmlformats.org/drawingml/2006/main" xmlns:p="http://schemas.openxmlformats.org/presentationml/2006/main" xmlns:r="http://schemas.openxmlformats.org/officeDocument/2006/relationships" xmlns:p14="http://schemas.microsoft.com/office/powerpoint/2010/main" xmlns:p15="http://schemas.microsoft.com/office/powerpoint/2012/main" xmlns:mc="http://schemas.openxmlformats.org/markup-compatibility/2006" type="objOnly" preserve="1">
+<p:sldLayout xmlns:a="http://schemas.openxmlformats.org/drawingml/2006/main" xmlns:r="http://schemas.openxmlformats.org/officeDocument/2006/relationships" xmlns:p="http://schemas.openxmlformats.org/presentationml/2006/main" type="objOnly" preserve="1">
   <p:cSld name="Centered Text">
     <p:spTree>
       <p:nvGrpSpPr>
@@ -1703,14 +1853,15 @@
           </a:ln>
         </p:spPr>
         <p:txBody>
-          <a:bodyPr lIns="0" rIns="0" tIns="0" bIns="0" anchor="ctr">
+          <a:bodyPr lIns="0" tIns="0" rIns="0" bIns="0" anchor="ctr">
             <a:noAutofit/>
           </a:bodyPr>
+          <a:lstStyle/>
           <a:p>
             <a:pPr algn="ctr">
               <a:buNone/>
             </a:pPr>
-            <a:endParaRPr b="0" lang="de-DE" sz="3200" spc="-1" strike="noStrike">
+            <a:endParaRPr lang="de-DE" sz="3200" b="0" strike="noStrike" spc="-1">
               <a:latin typeface="Arial"/>
             </a:endParaRPr>
           </a:p>
@@ -1729,6 +1880,7 @@
         <p:spPr/>
         <p:txBody>
           <a:bodyPr/>
+          <a:lstStyle/>
           <a:p>
             <a:r>
               <a:t>Footer</a:t>
@@ -1749,10 +1901,12 @@
         <p:spPr/>
         <p:txBody>
           <a:bodyPr/>
+          <a:lstStyle/>
           <a:p>
             <a:fld id="{4966B6DE-6B49-4440-9A3D-7A8E474C95AD}" type="slidenum">
-              <a:t>&lt;#&gt;</a:t>
+              <a:t>‹Nr.›</a:t>
             </a:fld>
+            <a:endParaRPr/>
           </a:p>
         </p:txBody>
       </p:sp>
@@ -1769,21 +1923,22 @@
         <p:spPr/>
         <p:txBody>
           <a:bodyPr/>
-          <a:p>
-            <a:r>
-              <a:rPr lang="de-DE"/>
-              <a:t/>
-            </a:r>
+          <a:lstStyle/>
+          <a:p>
+            <a:endParaRPr/>
           </a:p>
         </p:txBody>
       </p:sp>
     </p:spTree>
   </p:cSld>
+  <p:clrMapOvr>
+    <a:masterClrMapping/>
+  </p:clrMapOvr>
 </p:sldLayout>
 </file>
 
 <file path=ppt/slideLayouts/slideLayout7.xml><?xml version="1.0" encoding="utf-8"?>
-<p:sldLayout xmlns:a="http://schemas.openxmlformats.org/drawingml/2006/main" xmlns:p="http://schemas.openxmlformats.org/presentationml/2006/main" xmlns:r="http://schemas.openxmlformats.org/officeDocument/2006/relationships" xmlns:p14="http://schemas.microsoft.com/office/powerpoint/2010/main" xmlns:p15="http://schemas.microsoft.com/office/powerpoint/2012/main" xmlns:mc="http://schemas.openxmlformats.org/markup-compatibility/2006" type="twoObjAndObj" preserve="1">
+<p:sldLayout xmlns:a="http://schemas.openxmlformats.org/drawingml/2006/main" xmlns:r="http://schemas.openxmlformats.org/officeDocument/2006/relationships" xmlns:p="http://schemas.openxmlformats.org/presentationml/2006/main" type="twoObjAndObj" preserve="1">
   <p:cSld name="Title, 2 Content and Content">
     <p:spTree>
       <p:nvGrpSpPr>
@@ -1823,11 +1978,12 @@
           </a:ln>
         </p:spPr>
         <p:txBody>
-          <a:bodyPr lIns="0" rIns="0" tIns="0" bIns="0" anchor="ctr">
+          <a:bodyPr lIns="0" tIns="0" rIns="0" bIns="0" anchor="ctr">
             <a:noAutofit/>
           </a:bodyPr>
-          <a:p>
-            <a:endParaRPr b="0" lang="de-DE" sz="1800" spc="-1" strike="noStrike">
+          <a:lstStyle/>
+          <a:p>
+            <a:endParaRPr lang="de-DE" sz="1800" b="0" strike="noStrike" spc="-1">
               <a:solidFill>
                 <a:srgbClr val="000000"/>
               </a:solidFill>
@@ -1860,9 +2016,10 @@
           </a:ln>
         </p:spPr>
         <p:txBody>
-          <a:bodyPr lIns="0" rIns="0" tIns="0" bIns="0" anchor="t">
+          <a:bodyPr lIns="0" tIns="0" rIns="0" bIns="0" anchor="t">
             <a:normAutofit/>
           </a:bodyPr>
+          <a:lstStyle/>
           <a:p>
             <a:pPr>
               <a:lnSpc>
@@ -1873,7 +2030,7 @@
               </a:spcBef>
               <a:buNone/>
             </a:pPr>
-            <a:endParaRPr b="0" lang="de-DE" sz="2800" spc="-1" strike="noStrike">
+            <a:endParaRPr lang="de-DE" sz="2800" b="0" strike="noStrike" spc="-1">
               <a:solidFill>
                 <a:srgbClr val="000000"/>
               </a:solidFill>
@@ -1906,9 +2063,10 @@
           </a:ln>
         </p:spPr>
         <p:txBody>
-          <a:bodyPr lIns="0" rIns="0" tIns="0" bIns="0" anchor="t">
+          <a:bodyPr lIns="0" tIns="0" rIns="0" bIns="0" anchor="t">
             <a:normAutofit/>
           </a:bodyPr>
+          <a:lstStyle/>
           <a:p>
             <a:pPr>
               <a:lnSpc>
@@ -1919,7 +2077,7 @@
               </a:spcBef>
               <a:buNone/>
             </a:pPr>
-            <a:endParaRPr b="0" lang="de-DE" sz="2800" spc="-1" strike="noStrike">
+            <a:endParaRPr lang="de-DE" sz="2800" b="0" strike="noStrike" spc="-1">
               <a:solidFill>
                 <a:srgbClr val="000000"/>
               </a:solidFill>
@@ -1952,9 +2110,10 @@
           </a:ln>
         </p:spPr>
         <p:txBody>
-          <a:bodyPr lIns="0" rIns="0" tIns="0" bIns="0" anchor="t">
+          <a:bodyPr lIns="0" tIns="0" rIns="0" bIns="0" anchor="t">
             <a:normAutofit/>
           </a:bodyPr>
+          <a:lstStyle/>
           <a:p>
             <a:pPr>
               <a:lnSpc>
@@ -1965,7 +2124,7 @@
               </a:spcBef>
               <a:buNone/>
             </a:pPr>
-            <a:endParaRPr b="0" lang="de-DE" sz="2800" spc="-1" strike="noStrike">
+            <a:endParaRPr lang="de-DE" sz="2800" b="0" strike="noStrike" spc="-1">
               <a:solidFill>
                 <a:srgbClr val="000000"/>
               </a:solidFill>
@@ -1987,6 +2146,7 @@
         <p:spPr/>
         <p:txBody>
           <a:bodyPr/>
+          <a:lstStyle/>
           <a:p>
             <a:r>
               <a:t>Footer</a:t>
@@ -2007,10 +2167,12 @@
         <p:spPr/>
         <p:txBody>
           <a:bodyPr/>
+          <a:lstStyle/>
           <a:p>
             <a:fld id="{9A6E782E-236D-4208-BED1-3D118D4AE13C}" type="slidenum">
-              <a:t>&lt;#&gt;</a:t>
+              <a:t>‹Nr.›</a:t>
             </a:fld>
+            <a:endParaRPr/>
           </a:p>
         </p:txBody>
       </p:sp>
@@ -2027,21 +2189,22 @@
         <p:spPr/>
         <p:txBody>
           <a:bodyPr/>
-          <a:p>
-            <a:r>
-              <a:rPr lang="de-DE"/>
-              <a:t/>
-            </a:r>
+          <a:lstStyle/>
+          <a:p>
+            <a:endParaRPr/>
           </a:p>
         </p:txBody>
       </p:sp>
     </p:spTree>
   </p:cSld>
+  <p:clrMapOvr>
+    <a:masterClrMapping/>
+  </p:clrMapOvr>
 </p:sldLayout>
 </file>
 
 <file path=ppt/slideLayouts/slideLayout8.xml><?xml version="1.0" encoding="utf-8"?>
-<p:sldLayout xmlns:a="http://schemas.openxmlformats.org/drawingml/2006/main" xmlns:p="http://schemas.openxmlformats.org/presentationml/2006/main" xmlns:r="http://schemas.openxmlformats.org/officeDocument/2006/relationships" xmlns:p14="http://schemas.microsoft.com/office/powerpoint/2010/main" xmlns:p15="http://schemas.microsoft.com/office/powerpoint/2012/main" xmlns:mc="http://schemas.openxmlformats.org/markup-compatibility/2006" type="objAndTwoObj" preserve="1">
+<p:sldLayout xmlns:a="http://schemas.openxmlformats.org/drawingml/2006/main" xmlns:r="http://schemas.openxmlformats.org/officeDocument/2006/relationships" xmlns:p="http://schemas.openxmlformats.org/presentationml/2006/main" type="objAndTwoObj" preserve="1">
   <p:cSld name="Title Content and 2 Content">
     <p:spTree>
       <p:nvGrpSpPr>
@@ -2081,11 +2244,12 @@
           </a:ln>
         </p:spPr>
         <p:txBody>
-          <a:bodyPr lIns="0" rIns="0" tIns="0" bIns="0" anchor="ctr">
+          <a:bodyPr lIns="0" tIns="0" rIns="0" bIns="0" anchor="ctr">
             <a:noAutofit/>
           </a:bodyPr>
-          <a:p>
-            <a:endParaRPr b="0" lang="de-DE" sz="1800" spc="-1" strike="noStrike">
+          <a:lstStyle/>
+          <a:p>
+            <a:endParaRPr lang="de-DE" sz="1800" b="0" strike="noStrike" spc="-1">
               <a:solidFill>
                 <a:srgbClr val="000000"/>
               </a:solidFill>
@@ -2118,9 +2282,10 @@
           </a:ln>
         </p:spPr>
         <p:txBody>
-          <a:bodyPr lIns="0" rIns="0" tIns="0" bIns="0" anchor="t">
+          <a:bodyPr lIns="0" tIns="0" rIns="0" bIns="0" anchor="t">
             <a:normAutofit/>
           </a:bodyPr>
+          <a:lstStyle/>
           <a:p>
             <a:pPr>
               <a:lnSpc>
@@ -2131,7 +2296,7 @@
               </a:spcBef>
               <a:buNone/>
             </a:pPr>
-            <a:endParaRPr b="0" lang="de-DE" sz="2800" spc="-1" strike="noStrike">
+            <a:endParaRPr lang="de-DE" sz="2800" b="0" strike="noStrike" spc="-1">
               <a:solidFill>
                 <a:srgbClr val="000000"/>
               </a:solidFill>
@@ -2164,9 +2329,10 @@
           </a:ln>
         </p:spPr>
         <p:txBody>
-          <a:bodyPr lIns="0" rIns="0" tIns="0" bIns="0" anchor="t">
+          <a:bodyPr lIns="0" tIns="0" rIns="0" bIns="0" anchor="t">
             <a:normAutofit/>
           </a:bodyPr>
+          <a:lstStyle/>
           <a:p>
             <a:pPr>
               <a:lnSpc>
@@ -2177,7 +2343,7 @@
               </a:spcBef>
               <a:buNone/>
             </a:pPr>
-            <a:endParaRPr b="0" lang="de-DE" sz="2800" spc="-1" strike="noStrike">
+            <a:endParaRPr lang="de-DE" sz="2800" b="0" strike="noStrike" spc="-1">
               <a:solidFill>
                 <a:srgbClr val="000000"/>
               </a:solidFill>
@@ -2210,9 +2376,10 @@
           </a:ln>
         </p:spPr>
         <p:txBody>
-          <a:bodyPr lIns="0" rIns="0" tIns="0" bIns="0" anchor="t">
+          <a:bodyPr lIns="0" tIns="0" rIns="0" bIns="0" anchor="t">
             <a:normAutofit/>
           </a:bodyPr>
+          <a:lstStyle/>
           <a:p>
             <a:pPr>
               <a:lnSpc>
@@ -2223,7 +2390,7 @@
               </a:spcBef>
               <a:buNone/>
             </a:pPr>
-            <a:endParaRPr b="0" lang="de-DE" sz="2800" spc="-1" strike="noStrike">
+            <a:endParaRPr lang="de-DE" sz="2800" b="0" strike="noStrike" spc="-1">
               <a:solidFill>
                 <a:srgbClr val="000000"/>
               </a:solidFill>
@@ -2245,6 +2412,7 @@
         <p:spPr/>
         <p:txBody>
           <a:bodyPr/>
+          <a:lstStyle/>
           <a:p>
             <a:r>
               <a:t>Footer</a:t>
@@ -2265,10 +2433,12 @@
         <p:spPr/>
         <p:txBody>
           <a:bodyPr/>
+          <a:lstStyle/>
           <a:p>
             <a:fld id="{0AF4BBD5-2E8D-4B47-9093-191EDCFF50C6}" type="slidenum">
-              <a:t>&lt;#&gt;</a:t>
+              <a:t>‹Nr.›</a:t>
             </a:fld>
+            <a:endParaRPr/>
           </a:p>
         </p:txBody>
       </p:sp>
@@ -2285,21 +2455,22 @@
         <p:spPr/>
         <p:txBody>
           <a:bodyPr/>
-          <a:p>
-            <a:r>
-              <a:rPr lang="de-DE"/>
-              <a:t/>
-            </a:r>
+          <a:lstStyle/>
+          <a:p>
+            <a:endParaRPr/>
           </a:p>
         </p:txBody>
       </p:sp>
     </p:spTree>
   </p:cSld>
+  <p:clrMapOvr>
+    <a:masterClrMapping/>
+  </p:clrMapOvr>
 </p:sldLayout>
 </file>
 
 <file path=ppt/slideLayouts/slideLayout9.xml><?xml version="1.0" encoding="utf-8"?>
-<p:sldLayout xmlns:a="http://schemas.openxmlformats.org/drawingml/2006/main" xmlns:p="http://schemas.openxmlformats.org/presentationml/2006/main" xmlns:r="http://schemas.openxmlformats.org/officeDocument/2006/relationships" xmlns:p14="http://schemas.microsoft.com/office/powerpoint/2010/main" xmlns:p15="http://schemas.microsoft.com/office/powerpoint/2012/main" xmlns:mc="http://schemas.openxmlformats.org/markup-compatibility/2006" type="twoObjOverTx" preserve="1">
+<p:sldLayout xmlns:a="http://schemas.openxmlformats.org/drawingml/2006/main" xmlns:r="http://schemas.openxmlformats.org/officeDocument/2006/relationships" xmlns:p="http://schemas.openxmlformats.org/presentationml/2006/main" type="twoObjOverTx" preserve="1">
   <p:cSld name="Title, 2 Content over Content">
     <p:spTree>
       <p:nvGrpSpPr>
@@ -2339,11 +2510,12 @@
           </a:ln>
         </p:spPr>
         <p:txBody>
-          <a:bodyPr lIns="0" rIns="0" tIns="0" bIns="0" anchor="ctr">
+          <a:bodyPr lIns="0" tIns="0" rIns="0" bIns="0" anchor="ctr">
             <a:noAutofit/>
           </a:bodyPr>
-          <a:p>
-            <a:endParaRPr b="0" lang="de-DE" sz="1800" spc="-1" strike="noStrike">
+          <a:lstStyle/>
+          <a:p>
+            <a:endParaRPr lang="de-DE" sz="1800" b="0" strike="noStrike" spc="-1">
               <a:solidFill>
                 <a:srgbClr val="000000"/>
               </a:solidFill>
@@ -2376,9 +2548,10 @@
           </a:ln>
         </p:spPr>
         <p:txBody>
-          <a:bodyPr lIns="0" rIns="0" tIns="0" bIns="0" anchor="t">
+          <a:bodyPr lIns="0" tIns="0" rIns="0" bIns="0" anchor="t">
             <a:normAutofit/>
           </a:bodyPr>
+          <a:lstStyle/>
           <a:p>
             <a:pPr>
               <a:lnSpc>
@@ -2389,7 +2562,7 @@
               </a:spcBef>
               <a:buNone/>
             </a:pPr>
-            <a:endParaRPr b="0" lang="de-DE" sz="2800" spc="-1" strike="noStrike">
+            <a:endParaRPr lang="de-DE" sz="2800" b="0" strike="noStrike" spc="-1">
               <a:solidFill>
                 <a:srgbClr val="000000"/>
               </a:solidFill>
@@ -2422,9 +2595,10 @@
           </a:ln>
         </p:spPr>
         <p:txBody>
-          <a:bodyPr lIns="0" rIns="0" tIns="0" bIns="0" anchor="t">
+          <a:bodyPr lIns="0" tIns="0" rIns="0" bIns="0" anchor="t">
             <a:normAutofit/>
           </a:bodyPr>
+          <a:lstStyle/>
           <a:p>
             <a:pPr>
               <a:lnSpc>
@@ -2435,7 +2609,7 @@
               </a:spcBef>
               <a:buNone/>
             </a:pPr>
-            <a:endParaRPr b="0" lang="de-DE" sz="2800" spc="-1" strike="noStrike">
+            <a:endParaRPr lang="de-DE" sz="2800" b="0" strike="noStrike" spc="-1">
               <a:solidFill>
                 <a:srgbClr val="000000"/>
               </a:solidFill>
@@ -2468,9 +2642,10 @@
           </a:ln>
         </p:spPr>
         <p:txBody>
-          <a:bodyPr lIns="0" rIns="0" tIns="0" bIns="0" anchor="t">
+          <a:bodyPr lIns="0" tIns="0" rIns="0" bIns="0" anchor="t">
             <a:normAutofit/>
           </a:bodyPr>
+          <a:lstStyle/>
           <a:p>
             <a:pPr>
               <a:lnSpc>
@@ -2481,7 +2656,7 @@
               </a:spcBef>
               <a:buNone/>
             </a:pPr>
-            <a:endParaRPr b="0" lang="de-DE" sz="2800" spc="-1" strike="noStrike">
+            <a:endParaRPr lang="de-DE" sz="2800" b="0" strike="noStrike" spc="-1">
               <a:solidFill>
                 <a:srgbClr val="000000"/>
               </a:solidFill>
@@ -2503,6 +2678,7 @@
         <p:spPr/>
         <p:txBody>
           <a:bodyPr/>
+          <a:lstStyle/>
           <a:p>
             <a:r>
               <a:t>Footer</a:t>
@@ -2523,10 +2699,12 @@
         <p:spPr/>
         <p:txBody>
           <a:bodyPr/>
+          <a:lstStyle/>
           <a:p>
             <a:fld id="{A21724F0-81A9-42D0-803F-2E0CFB95720F}" type="slidenum">
-              <a:t>&lt;#&gt;</a:t>
+              <a:t>‹Nr.›</a:t>
             </a:fld>
+            <a:endParaRPr/>
           </a:p>
         </p:txBody>
       </p:sp>
@@ -2543,27 +2721,29 @@
         <p:spPr/>
         <p:txBody>
           <a:bodyPr/>
-          <a:p>
-            <a:r>
-              <a:rPr lang="de-DE"/>
-              <a:t/>
-            </a:r>
+          <a:lstStyle/>
+          <a:p>
+            <a:endParaRPr/>
           </a:p>
         </p:txBody>
       </p:sp>
     </p:spTree>
   </p:cSld>
+  <p:clrMapOvr>
+    <a:masterClrMapping/>
+  </p:clrMapOvr>
 </p:sldLayout>
 </file>
 
 <file path=ppt/slideMasters/slideMaster1.xml><?xml version="1.0" encoding="utf-8"?>
-<p:sldMaster xmlns:a="http://schemas.openxmlformats.org/drawingml/2006/main" xmlns:p="http://schemas.openxmlformats.org/presentationml/2006/main" xmlns:r="http://schemas.openxmlformats.org/officeDocument/2006/relationships" xmlns:p14="http://schemas.microsoft.com/office/powerpoint/2010/main" xmlns:p15="http://schemas.microsoft.com/office/powerpoint/2012/main" xmlns:mc="http://schemas.openxmlformats.org/markup-compatibility/2006">
+<p:sldMaster xmlns:a="http://schemas.openxmlformats.org/drawingml/2006/main" xmlns:r="http://schemas.openxmlformats.org/officeDocument/2006/relationships" xmlns:p="http://schemas.openxmlformats.org/presentationml/2006/main">
   <p:cSld>
     <p:bg>
       <p:bgPr>
         <a:solidFill>
-          <a:srgbClr val="ffffff"/>
+          <a:srgbClr val="FFFFFF"/>
         </a:solidFill>
+        <a:effectLst/>
       </p:bgPr>
     </p:bg>
     <p:spTree>
@@ -2582,7 +2762,7 @@
       </p:grpSpPr>
       <p:sp>
         <p:nvSpPr>
-          <p:cNvPr id="0" name="PlaceHolder 1"/>
+          <p:cNvPr id="5" name="PlaceHolder 1"/>
           <p:cNvSpPr>
             <a:spLocks noGrp="1"/>
           </p:cNvSpPr>
@@ -2607,6 +2787,7 @@
           <a:bodyPr anchor="b">
             <a:noAutofit/>
           </a:bodyPr>
+          <a:lstStyle/>
           <a:p>
             <a:pPr algn="ctr">
               <a:lnSpc>
@@ -2615,7 +2796,7 @@
               <a:buNone/>
             </a:pPr>
             <a:r>
-              <a:rPr b="0" lang="de-DE" sz="6000" spc="-1" strike="noStrike">
+              <a:rPr lang="de-DE" sz="6000" b="0" strike="noStrike" spc="-1">
                 <a:solidFill>
                   <a:srgbClr val="000000"/>
                 </a:solidFill>
@@ -2623,7 +2804,7 @@
               </a:rPr>
               <a:t>Mastertitelformat bearbeiten</a:t>
             </a:r>
-            <a:endParaRPr b="0" lang="de-DE" sz="6000" spc="-1" strike="noStrike">
+            <a:endParaRPr lang="de-DE" sz="6000" b="0" strike="noStrike" spc="-1">
               <a:solidFill>
                 <a:srgbClr val="000000"/>
               </a:solidFill>
@@ -2634,7 +2815,7 @@
       </p:sp>
       <p:sp>
         <p:nvSpPr>
-          <p:cNvPr id="1" name="PlaceHolder 2"/>
+          <p:cNvPr id="6" name="PlaceHolder 2"/>
           <p:cNvSpPr>
             <a:spLocks noGrp="1"/>
           </p:cNvSpPr>
@@ -2665,9 +2846,9 @@
                 <a:spcPct val="100000"/>
               </a:lnSpc>
               <a:buNone/>
-              <a:defRPr b="0" lang="de-DE" sz="1200" spc="-1" strike="noStrike">
+              <a:defRPr lang="de-DE" sz="1200" b="0" strike="noStrike" spc="-1">
                 <a:solidFill>
-                  <a:srgbClr val="8b8b8b"/>
+                  <a:srgbClr val="8B8B8B"/>
                 </a:solidFill>
                 <a:latin typeface="Calibri"/>
               </a:defRPr>
@@ -2681,15 +2862,15 @@
               <a:buNone/>
             </a:pPr>
             <a:r>
-              <a:rPr b="0" lang="de-DE" sz="1200" spc="-1" strike="noStrike">
+              <a:rPr lang="de-DE" sz="1200" b="0" strike="noStrike" spc="-1">
                 <a:solidFill>
-                  <a:srgbClr val="8b8b8b"/>
+                  <a:srgbClr val="8B8B8B"/>
                 </a:solidFill>
                 <a:latin typeface="Calibri"/>
               </a:rPr>
               <a:t>&lt;Datum/Uhrzeit&gt;</a:t>
             </a:r>
-            <a:endParaRPr b="0" lang="de-DE" sz="1200" spc="-1" strike="noStrike">
+            <a:endParaRPr lang="de-DE" sz="1200" b="0" strike="noStrike" spc="-1">
               <a:latin typeface="Times New Roman"/>
             </a:endParaRPr>
           </a:p>
@@ -2725,7 +2906,7 @@
           <a:lstStyle>
             <a:lvl1pPr algn="ctr">
               <a:buNone/>
-              <a:defRPr b="0" lang="de-DE" sz="1400" spc="-1" strike="noStrike">
+              <a:defRPr lang="de-DE" sz="1400" b="0" strike="noStrike" spc="-1">
                 <a:latin typeface="Times New Roman"/>
               </a:defRPr>
             </a:lvl1pPr>
@@ -2735,14 +2916,11 @@
               <a:buNone/>
             </a:pPr>
             <a:r>
-              <a:rPr b="0" lang="de-DE" sz="1400" spc="-1" strike="noStrike">
+              <a:rPr lang="de-DE" sz="1400" b="0" strike="noStrike" spc="-1">
                 <a:latin typeface="Times New Roman"/>
               </a:rPr>
               <a:t>&lt;Fußzeile&gt;</a:t>
             </a:r>
-            <a:endParaRPr b="0" lang="de-DE" sz="1400" spc="-1" strike="noStrike">
-              <a:latin typeface="Times New Roman"/>
-            </a:endParaRPr>
           </a:p>
         </p:txBody>
       </p:sp>
@@ -2779,9 +2957,9 @@
                 <a:spcPct val="100000"/>
               </a:lnSpc>
               <a:buNone/>
-              <a:defRPr b="0" lang="de-DE" sz="1200" spc="-1" strike="noStrike">
+              <a:defRPr lang="de-DE" sz="1200" b="0" strike="noStrike" spc="-1">
                 <a:solidFill>
-                  <a:srgbClr val="8b8b8b"/>
+                  <a:srgbClr val="8B8B8B"/>
                 </a:solidFill>
                 <a:latin typeface="Calibri"/>
               </a:defRPr>
@@ -2795,15 +2973,15 @@
               <a:buNone/>
             </a:pPr>
             <a:fld id="{3B41281E-D958-4C98-8993-C889D98D9009}" type="slidenum">
-              <a:rPr b="0" lang="de-DE" sz="1200" spc="-1" strike="noStrike">
+              <a:rPr lang="de-DE" sz="1200" b="0" strike="noStrike" spc="-1">
                 <a:solidFill>
-                  <a:srgbClr val="8b8b8b"/>
+                  <a:srgbClr val="8B8B8B"/>
                 </a:solidFill>
                 <a:latin typeface="Calibri"/>
               </a:rPr>
-              <a:t>&lt;Foliennummer&gt;</a:t>
+              <a:t>‹Nr.›</a:t>
             </a:fld>
-            <a:endParaRPr b="0" lang="de-DE" sz="1200" spc="-1" strike="noStrike">
+            <a:endParaRPr lang="de-DE" sz="1200" b="0" strike="noStrike" spc="-1">
               <a:latin typeface="Times New Roman"/>
             </a:endParaRPr>
           </a:p>
@@ -2833,9 +3011,10 @@
           </a:ln>
         </p:spPr>
         <p:txBody>
-          <a:bodyPr lIns="0" rIns="0" tIns="0" bIns="0" anchor="t">
+          <a:bodyPr lIns="0" tIns="0" rIns="0" bIns="0" anchor="t">
             <a:normAutofit/>
           </a:bodyPr>
+          <a:lstStyle/>
           <a:p>
             <a:pPr marL="432000" indent="-324000">
               <a:lnSpc>
@@ -2852,7 +3031,7 @@
               <a:buChar char=""/>
             </a:pPr>
             <a:r>
-              <a:rPr b="0" lang="de-DE" sz="2800" spc="-1" strike="noStrike">
+              <a:rPr lang="de-DE" sz="2800" b="0" strike="noStrike" spc="-1">
                 <a:solidFill>
                   <a:srgbClr val="000000"/>
                 </a:solidFill>
@@ -2860,15 +3039,9 @@
               </a:rPr>
               <a:t>Format des Gliederungstextes durch Klicken bearbeiten</a:t>
             </a:r>
-            <a:endParaRPr b="0" lang="de-DE" sz="2800" spc="-1" strike="noStrike">
-              <a:solidFill>
-                <a:srgbClr val="000000"/>
-              </a:solidFill>
-              <a:latin typeface="Calibri"/>
-            </a:endParaRPr>
-          </a:p>
-          <a:p>
-            <a:pPr lvl="1" marL="864000" indent="-324000">
+          </a:p>
+          <a:p>
+            <a:pPr marL="864000" lvl="1" indent="-324000">
               <a:lnSpc>
                 <a:spcPct val="90000"/>
               </a:lnSpc>
@@ -2883,7 +3056,7 @@
               <a:buChar char=""/>
             </a:pPr>
             <a:r>
-              <a:rPr b="0" lang="de-DE" sz="2000" spc="-1" strike="noStrike">
+              <a:rPr lang="de-DE" sz="2000" b="0" strike="noStrike" spc="-1">
                 <a:solidFill>
                   <a:srgbClr val="000000"/>
                 </a:solidFill>
@@ -2891,15 +3064,9 @@
               </a:rPr>
               <a:t>Zweite Gliederungsebene</a:t>
             </a:r>
-            <a:endParaRPr b="0" lang="de-DE" sz="2000" spc="-1" strike="noStrike">
-              <a:solidFill>
-                <a:srgbClr val="000000"/>
-              </a:solidFill>
-              <a:latin typeface="Calibri"/>
-            </a:endParaRPr>
-          </a:p>
-          <a:p>
-            <a:pPr lvl="2" marL="1296000" indent="-288000">
+          </a:p>
+          <a:p>
+            <a:pPr marL="1296000" lvl="2" indent="-288000">
               <a:lnSpc>
                 <a:spcPct val="90000"/>
               </a:lnSpc>
@@ -2914,7 +3081,7 @@
               <a:buChar char=""/>
             </a:pPr>
             <a:r>
-              <a:rPr b="0" lang="de-DE" sz="1800" spc="-1" strike="noStrike">
+              <a:rPr lang="de-DE" sz="1800" b="0" strike="noStrike" spc="-1">
                 <a:solidFill>
                   <a:srgbClr val="000000"/>
                 </a:solidFill>
@@ -2922,15 +3089,9 @@
               </a:rPr>
               <a:t>Dritte Gliederungsebene</a:t>
             </a:r>
-            <a:endParaRPr b="0" lang="de-DE" sz="1800" spc="-1" strike="noStrike">
-              <a:solidFill>
-                <a:srgbClr val="000000"/>
-              </a:solidFill>
-              <a:latin typeface="Calibri"/>
-            </a:endParaRPr>
-          </a:p>
-          <a:p>
-            <a:pPr lvl="3" marL="1728000" indent="-216000">
+          </a:p>
+          <a:p>
+            <a:pPr marL="1728000" lvl="3" indent="-216000">
               <a:lnSpc>
                 <a:spcPct val="90000"/>
               </a:lnSpc>
@@ -2945,7 +3106,7 @@
               <a:buChar char=""/>
             </a:pPr>
             <a:r>
-              <a:rPr b="0" lang="de-DE" sz="1800" spc="-1" strike="noStrike">
+              <a:rPr lang="de-DE" sz="1800" b="0" strike="noStrike" spc="-1">
                 <a:solidFill>
                   <a:srgbClr val="000000"/>
                 </a:solidFill>
@@ -2953,15 +3114,9 @@
               </a:rPr>
               <a:t>Vierte Gliederungsebene</a:t>
             </a:r>
-            <a:endParaRPr b="0" lang="de-DE" sz="1800" spc="-1" strike="noStrike">
-              <a:solidFill>
-                <a:srgbClr val="000000"/>
-              </a:solidFill>
-              <a:latin typeface="Calibri"/>
-            </a:endParaRPr>
-          </a:p>
-          <a:p>
-            <a:pPr lvl="4" marL="2160000" indent="-216000">
+          </a:p>
+          <a:p>
+            <a:pPr marL="2160000" lvl="4" indent="-216000">
               <a:lnSpc>
                 <a:spcPct val="90000"/>
               </a:lnSpc>
@@ -2976,7 +3131,7 @@
               <a:buChar char=""/>
             </a:pPr>
             <a:r>
-              <a:rPr b="0" lang="de-DE" sz="2000" spc="-1" strike="noStrike">
+              <a:rPr lang="de-DE" sz="2000" b="0" strike="noStrike" spc="-1">
                 <a:solidFill>
                   <a:srgbClr val="000000"/>
                 </a:solidFill>
@@ -2984,15 +3139,9 @@
               </a:rPr>
               <a:t>Fünfte Gliederungsebene</a:t>
             </a:r>
-            <a:endParaRPr b="0" lang="de-DE" sz="2000" spc="-1" strike="noStrike">
-              <a:solidFill>
-                <a:srgbClr val="000000"/>
-              </a:solidFill>
-              <a:latin typeface="Calibri"/>
-            </a:endParaRPr>
-          </a:p>
-          <a:p>
-            <a:pPr lvl="5" marL="2592000" indent="-216000">
+          </a:p>
+          <a:p>
+            <a:pPr marL="2592000" lvl="5" indent="-216000">
               <a:lnSpc>
                 <a:spcPct val="90000"/>
               </a:lnSpc>
@@ -3007,7 +3156,7 @@
               <a:buChar char=""/>
             </a:pPr>
             <a:r>
-              <a:rPr b="0" lang="de-DE" sz="2000" spc="-1" strike="noStrike">
+              <a:rPr lang="de-DE" sz="2000" b="0" strike="noStrike" spc="-1">
                 <a:solidFill>
                   <a:srgbClr val="000000"/>
                 </a:solidFill>
@@ -3015,15 +3164,9 @@
               </a:rPr>
               <a:t>Sechste Gliederungsebene</a:t>
             </a:r>
-            <a:endParaRPr b="0" lang="de-DE" sz="2000" spc="-1" strike="noStrike">
-              <a:solidFill>
-                <a:srgbClr val="000000"/>
-              </a:solidFill>
-              <a:latin typeface="Calibri"/>
-            </a:endParaRPr>
-          </a:p>
-          <a:p>
-            <a:pPr lvl="6" marL="3024000" indent="-216000">
+          </a:p>
+          <a:p>
+            <a:pPr marL="3024000" lvl="6" indent="-216000">
               <a:lnSpc>
                 <a:spcPct val="90000"/>
               </a:lnSpc>
@@ -3038,7 +3181,7 @@
               <a:buChar char=""/>
             </a:pPr>
             <a:r>
-              <a:rPr b="0" lang="de-DE" sz="2000" spc="-1" strike="noStrike">
+              <a:rPr lang="de-DE" sz="2000" b="0" strike="noStrike" spc="-1">
                 <a:solidFill>
                   <a:srgbClr val="000000"/>
                 </a:solidFill>
@@ -3046,37 +3189,311 @@
               </a:rPr>
               <a:t>Siebte Gliederungsebene</a:t>
             </a:r>
-            <a:endParaRPr b="0" lang="de-DE" sz="2000" spc="-1" strike="noStrike">
-              <a:solidFill>
-                <a:srgbClr val="000000"/>
-              </a:solidFill>
-              <a:latin typeface="Calibri"/>
-            </a:endParaRPr>
           </a:p>
         </p:txBody>
       </p:sp>
     </p:spTree>
   </p:cSld>
-  <p:clrMap bg1="lt1" bg2="lt2" tx1="dk1" tx2="dk2" accent1="accent1" accent2="accent2" accent3="accent3" accent4="accent4" accent5="accent5" accent6="accent6" hlink="hlink" folHlink="folHlink"/>
+  <p:clrMap bg1="lt1" tx1="dk1" bg2="lt2" tx2="dk2" accent1="accent1" accent2="accent2" accent3="accent3" accent4="accent4" accent5="accent5" accent6="accent6" hlink="hlink" folHlink="folHlink"/>
   <p:sldLayoutIdLst>
-    <p:sldLayoutId id="2147483649" r:id="rId2"/>
-    <p:sldLayoutId id="2147483650" r:id="rId3"/>
-    <p:sldLayoutId id="2147483651" r:id="rId4"/>
-    <p:sldLayoutId id="2147483652" r:id="rId5"/>
-    <p:sldLayoutId id="2147483653" r:id="rId6"/>
-    <p:sldLayoutId id="2147483654" r:id="rId7"/>
-    <p:sldLayoutId id="2147483655" r:id="rId8"/>
-    <p:sldLayoutId id="2147483656" r:id="rId9"/>
-    <p:sldLayoutId id="2147483657" r:id="rId10"/>
-    <p:sldLayoutId id="2147483658" r:id="rId11"/>
-    <p:sldLayoutId id="2147483659" r:id="rId12"/>
-    <p:sldLayoutId id="2147483660" r:id="rId13"/>
+    <p:sldLayoutId id="2147483649" r:id="rId1"/>
+    <p:sldLayoutId id="2147483650" r:id="rId2"/>
+    <p:sldLayoutId id="2147483651" r:id="rId3"/>
+    <p:sldLayoutId id="2147483652" r:id="rId4"/>
+    <p:sldLayoutId id="2147483653" r:id="rId5"/>
+    <p:sldLayoutId id="2147483654" r:id="rId6"/>
+    <p:sldLayoutId id="2147483655" r:id="rId7"/>
+    <p:sldLayoutId id="2147483656" r:id="rId8"/>
+    <p:sldLayoutId id="2147483657" r:id="rId9"/>
+    <p:sldLayoutId id="2147483658" r:id="rId10"/>
+    <p:sldLayoutId id="2147483659" r:id="rId11"/>
+    <p:sldLayoutId id="2147483660" r:id="rId12"/>
   </p:sldLayoutIdLst>
+  <p:txStyles>
+    <p:titleStyle>
+      <a:lvl1pPr algn="l" defTabSz="914400" rtl="0" eaLnBrk="1" latinLnBrk="0" hangingPunct="1">
+        <a:lnSpc>
+          <a:spcPct val="90000"/>
+        </a:lnSpc>
+        <a:spcBef>
+          <a:spcPct val="0"/>
+        </a:spcBef>
+        <a:buNone/>
+        <a:defRPr sz="4400" kern="1200">
+          <a:solidFill>
+            <a:schemeClr val="tx1"/>
+          </a:solidFill>
+          <a:latin typeface="+mj-lt"/>
+          <a:ea typeface="+mj-ea"/>
+          <a:cs typeface="+mj-cs"/>
+        </a:defRPr>
+      </a:lvl1pPr>
+    </p:titleStyle>
+    <p:bodyStyle>
+      <a:lvl1pPr marL="228600" indent="-228600" algn="l" defTabSz="914400" rtl="0" eaLnBrk="1" latinLnBrk="0" hangingPunct="1">
+        <a:lnSpc>
+          <a:spcPct val="90000"/>
+        </a:lnSpc>
+        <a:spcBef>
+          <a:spcPts val="1000"/>
+        </a:spcBef>
+        <a:buFont typeface="Arial" panose="020B0604020202020204" pitchFamily="34" charset="0"/>
+        <a:buChar char="•"/>
+        <a:defRPr sz="2800" kern="1200">
+          <a:solidFill>
+            <a:schemeClr val="tx1"/>
+          </a:solidFill>
+          <a:latin typeface="+mn-lt"/>
+          <a:ea typeface="+mn-ea"/>
+          <a:cs typeface="+mn-cs"/>
+        </a:defRPr>
+      </a:lvl1pPr>
+      <a:lvl2pPr marL="685800" indent="-228600" algn="l" defTabSz="914400" rtl="0" eaLnBrk="1" latinLnBrk="0" hangingPunct="1">
+        <a:lnSpc>
+          <a:spcPct val="90000"/>
+        </a:lnSpc>
+        <a:spcBef>
+          <a:spcPts val="500"/>
+        </a:spcBef>
+        <a:buFont typeface="Arial" panose="020B0604020202020204" pitchFamily="34" charset="0"/>
+        <a:buChar char="•"/>
+        <a:defRPr sz="2400" kern="1200">
+          <a:solidFill>
+            <a:schemeClr val="tx1"/>
+          </a:solidFill>
+          <a:latin typeface="+mn-lt"/>
+          <a:ea typeface="+mn-ea"/>
+          <a:cs typeface="+mn-cs"/>
+        </a:defRPr>
+      </a:lvl2pPr>
+      <a:lvl3pPr marL="1143000" indent="-228600" algn="l" defTabSz="914400" rtl="0" eaLnBrk="1" latinLnBrk="0" hangingPunct="1">
+        <a:lnSpc>
+          <a:spcPct val="90000"/>
+        </a:lnSpc>
+        <a:spcBef>
+          <a:spcPts val="500"/>
+        </a:spcBef>
+        <a:buFont typeface="Arial" panose="020B0604020202020204" pitchFamily="34" charset="0"/>
+        <a:buChar char="•"/>
+        <a:defRPr sz="2000" kern="1200">
+          <a:solidFill>
+            <a:schemeClr val="tx1"/>
+          </a:solidFill>
+          <a:latin typeface="+mn-lt"/>
+          <a:ea typeface="+mn-ea"/>
+          <a:cs typeface="+mn-cs"/>
+        </a:defRPr>
+      </a:lvl3pPr>
+      <a:lvl4pPr marL="1600200" indent="-228600" algn="l" defTabSz="914400" rtl="0" eaLnBrk="1" latinLnBrk="0" hangingPunct="1">
+        <a:lnSpc>
+          <a:spcPct val="90000"/>
+        </a:lnSpc>
+        <a:spcBef>
+          <a:spcPts val="500"/>
+        </a:spcBef>
+        <a:buFont typeface="Arial" panose="020B0604020202020204" pitchFamily="34" charset="0"/>
+        <a:buChar char="•"/>
+        <a:defRPr sz="1800" kern="1200">
+          <a:solidFill>
+            <a:schemeClr val="tx1"/>
+          </a:solidFill>
+          <a:latin typeface="+mn-lt"/>
+          <a:ea typeface="+mn-ea"/>
+          <a:cs typeface="+mn-cs"/>
+        </a:defRPr>
+      </a:lvl4pPr>
+      <a:lvl5pPr marL="2057400" indent="-228600" algn="l" defTabSz="914400" rtl="0" eaLnBrk="1" latinLnBrk="0" hangingPunct="1">
+        <a:lnSpc>
+          <a:spcPct val="90000"/>
+        </a:lnSpc>
+        <a:spcBef>
+          <a:spcPts val="500"/>
+        </a:spcBef>
+        <a:buFont typeface="Arial" panose="020B0604020202020204" pitchFamily="34" charset="0"/>
+        <a:buChar char="•"/>
+        <a:defRPr sz="1800" kern="1200">
+          <a:solidFill>
+            <a:schemeClr val="tx1"/>
+          </a:solidFill>
+          <a:latin typeface="+mn-lt"/>
+          <a:ea typeface="+mn-ea"/>
+          <a:cs typeface="+mn-cs"/>
+        </a:defRPr>
+      </a:lvl5pPr>
+      <a:lvl6pPr marL="2514600" indent="-228600" algn="l" defTabSz="914400" rtl="0" eaLnBrk="1" latinLnBrk="0" hangingPunct="1">
+        <a:lnSpc>
+          <a:spcPct val="90000"/>
+        </a:lnSpc>
+        <a:spcBef>
+          <a:spcPts val="500"/>
+        </a:spcBef>
+        <a:buFont typeface="Arial" panose="020B0604020202020204" pitchFamily="34" charset="0"/>
+        <a:buChar char="•"/>
+        <a:defRPr sz="1800" kern="1200">
+          <a:solidFill>
+            <a:schemeClr val="tx1"/>
+          </a:solidFill>
+          <a:latin typeface="+mn-lt"/>
+          <a:ea typeface="+mn-ea"/>
+          <a:cs typeface="+mn-cs"/>
+        </a:defRPr>
+      </a:lvl6pPr>
+      <a:lvl7pPr marL="2971800" indent="-228600" algn="l" defTabSz="914400" rtl="0" eaLnBrk="1" latinLnBrk="0" hangingPunct="1">
+        <a:lnSpc>
+          <a:spcPct val="90000"/>
+        </a:lnSpc>
+        <a:spcBef>
+          <a:spcPts val="500"/>
+        </a:spcBef>
+        <a:buFont typeface="Arial" panose="020B0604020202020204" pitchFamily="34" charset="0"/>
+        <a:buChar char="•"/>
+        <a:defRPr sz="1800" kern="1200">
+          <a:solidFill>
+            <a:schemeClr val="tx1"/>
+          </a:solidFill>
+          <a:latin typeface="+mn-lt"/>
+          <a:ea typeface="+mn-ea"/>
+          <a:cs typeface="+mn-cs"/>
+        </a:defRPr>
+      </a:lvl7pPr>
+      <a:lvl8pPr marL="3429000" indent="-228600" algn="l" defTabSz="914400" rtl="0" eaLnBrk="1" latinLnBrk="0" hangingPunct="1">
+        <a:lnSpc>
+          <a:spcPct val="90000"/>
+        </a:lnSpc>
+        <a:spcBef>
+          <a:spcPts val="500"/>
+        </a:spcBef>
+        <a:buFont typeface="Arial" panose="020B0604020202020204" pitchFamily="34" charset="0"/>
+        <a:buChar char="•"/>
+        <a:defRPr sz="1800" kern="1200">
+          <a:solidFill>
+            <a:schemeClr val="tx1"/>
+          </a:solidFill>
+          <a:latin typeface="+mn-lt"/>
+          <a:ea typeface="+mn-ea"/>
+          <a:cs typeface="+mn-cs"/>
+        </a:defRPr>
+      </a:lvl8pPr>
+      <a:lvl9pPr marL="3886200" indent="-228600" algn="l" defTabSz="914400" rtl="0" eaLnBrk="1" latinLnBrk="0" hangingPunct="1">
+        <a:lnSpc>
+          <a:spcPct val="90000"/>
+        </a:lnSpc>
+        <a:spcBef>
+          <a:spcPts val="500"/>
+        </a:spcBef>
+        <a:buFont typeface="Arial" panose="020B0604020202020204" pitchFamily="34" charset="0"/>
+        <a:buChar char="•"/>
+        <a:defRPr sz="1800" kern="1200">
+          <a:solidFill>
+            <a:schemeClr val="tx1"/>
+          </a:solidFill>
+          <a:latin typeface="+mn-lt"/>
+          <a:ea typeface="+mn-ea"/>
+          <a:cs typeface="+mn-cs"/>
+        </a:defRPr>
+      </a:lvl9pPr>
+    </p:bodyStyle>
+    <p:otherStyle>
+      <a:defPPr>
+        <a:defRPr lang="de-DE"/>
+      </a:defPPr>
+      <a:lvl1pPr marL="0" algn="l" defTabSz="914400" rtl="0" eaLnBrk="1" latinLnBrk="0" hangingPunct="1">
+        <a:defRPr sz="1800" kern="1200">
+          <a:solidFill>
+            <a:schemeClr val="tx1"/>
+          </a:solidFill>
+          <a:latin typeface="+mn-lt"/>
+          <a:ea typeface="+mn-ea"/>
+          <a:cs typeface="+mn-cs"/>
+        </a:defRPr>
+      </a:lvl1pPr>
+      <a:lvl2pPr marL="457200" algn="l" defTabSz="914400" rtl="0" eaLnBrk="1" latinLnBrk="0" hangingPunct="1">
+        <a:defRPr sz="1800" kern="1200">
+          <a:solidFill>
+            <a:schemeClr val="tx1"/>
+          </a:solidFill>
+          <a:latin typeface="+mn-lt"/>
+          <a:ea typeface="+mn-ea"/>
+          <a:cs typeface="+mn-cs"/>
+        </a:defRPr>
+      </a:lvl2pPr>
+      <a:lvl3pPr marL="914400" algn="l" defTabSz="914400" rtl="0" eaLnBrk="1" latinLnBrk="0" hangingPunct="1">
+        <a:defRPr sz="1800" kern="1200">
+          <a:solidFill>
+            <a:schemeClr val="tx1"/>
+          </a:solidFill>
+          <a:latin typeface="+mn-lt"/>
+          <a:ea typeface="+mn-ea"/>
+          <a:cs typeface="+mn-cs"/>
+        </a:defRPr>
+      </a:lvl3pPr>
+      <a:lvl4pPr marL="1371600" algn="l" defTabSz="914400" rtl="0" eaLnBrk="1" latinLnBrk="0" hangingPunct="1">
+        <a:defRPr sz="1800" kern="1200">
+          <a:solidFill>
+            <a:schemeClr val="tx1"/>
+          </a:solidFill>
+          <a:latin typeface="+mn-lt"/>
+          <a:ea typeface="+mn-ea"/>
+          <a:cs typeface="+mn-cs"/>
+        </a:defRPr>
+      </a:lvl4pPr>
+      <a:lvl5pPr marL="1828800" algn="l" defTabSz="914400" rtl="0" eaLnBrk="1" latinLnBrk="0" hangingPunct="1">
+        <a:defRPr sz="1800" kern="1200">
+          <a:solidFill>
+            <a:schemeClr val="tx1"/>
+          </a:solidFill>
+          <a:latin typeface="+mn-lt"/>
+          <a:ea typeface="+mn-ea"/>
+          <a:cs typeface="+mn-cs"/>
+        </a:defRPr>
+      </a:lvl5pPr>
+      <a:lvl6pPr marL="2286000" algn="l" defTabSz="914400" rtl="0" eaLnBrk="1" latinLnBrk="0" hangingPunct="1">
+        <a:defRPr sz="1800" kern="1200">
+          <a:solidFill>
+            <a:schemeClr val="tx1"/>
+          </a:solidFill>
+          <a:latin typeface="+mn-lt"/>
+          <a:ea typeface="+mn-ea"/>
+          <a:cs typeface="+mn-cs"/>
+        </a:defRPr>
+      </a:lvl6pPr>
+      <a:lvl7pPr marL="2743200" algn="l" defTabSz="914400" rtl="0" eaLnBrk="1" latinLnBrk="0" hangingPunct="1">
+        <a:defRPr sz="1800" kern="1200">
+          <a:solidFill>
+            <a:schemeClr val="tx1"/>
+          </a:solidFill>
+          <a:latin typeface="+mn-lt"/>
+          <a:ea typeface="+mn-ea"/>
+          <a:cs typeface="+mn-cs"/>
+        </a:defRPr>
+      </a:lvl7pPr>
+      <a:lvl8pPr marL="3200400" algn="l" defTabSz="914400" rtl="0" eaLnBrk="1" latinLnBrk="0" hangingPunct="1">
+        <a:defRPr sz="1800" kern="1200">
+          <a:solidFill>
+            <a:schemeClr val="tx1"/>
+          </a:solidFill>
+          <a:latin typeface="+mn-lt"/>
+          <a:ea typeface="+mn-ea"/>
+          <a:cs typeface="+mn-cs"/>
+        </a:defRPr>
+      </a:lvl8pPr>
+      <a:lvl9pPr marL="3657600" algn="l" defTabSz="914400" rtl="0" eaLnBrk="1" latinLnBrk="0" hangingPunct="1">
+        <a:defRPr sz="1800" kern="1200">
+          <a:solidFill>
+            <a:schemeClr val="tx1"/>
+          </a:solidFill>
+          <a:latin typeface="+mn-lt"/>
+          <a:ea typeface="+mn-ea"/>
+          <a:cs typeface="+mn-cs"/>
+        </a:defRPr>
+      </a:lvl9pPr>
+    </p:otherStyle>
+  </p:txStyles>
 </p:sldMaster>
 </file>
 
 <file path=ppt/slides/slide1.xml><?xml version="1.0" encoding="utf-8"?>
-<p:sld xmlns:a="http://schemas.openxmlformats.org/drawingml/2006/main" xmlns:p="http://schemas.openxmlformats.org/presentationml/2006/main" xmlns:r="http://schemas.openxmlformats.org/officeDocument/2006/relationships" xmlns:p14="http://schemas.microsoft.com/office/powerpoint/2010/main" xmlns:p15="http://schemas.microsoft.com/office/powerpoint/2012/main" xmlns:mc="http://schemas.openxmlformats.org/markup-compatibility/2006">
+<p:sld xmlns:a="http://schemas.openxmlformats.org/drawingml/2006/main" xmlns:r="http://schemas.openxmlformats.org/officeDocument/2006/relationships" xmlns:p="http://schemas.openxmlformats.org/presentationml/2006/main">
   <p:cSld>
     <p:spTree>
       <p:nvGrpSpPr>
@@ -3119,6 +3536,7 @@
           <a:bodyPr anchor="t">
             <a:noAutofit/>
           </a:bodyPr>
+          <a:lstStyle/>
           <a:p>
             <a:pPr>
               <a:lnSpc>
@@ -3134,7 +3552,7 @@
               <a:buChar char="•"/>
             </a:pPr>
             <a:r>
-              <a:rPr b="0" lang="de-DE" sz="1000" spc="-1" strike="noStrike">
+              <a:rPr lang="de-DE" sz="1000" b="0" strike="noStrike" spc="-1" dirty="0">
                 <a:solidFill>
                   <a:srgbClr val="000000"/>
                 </a:solidFill>
@@ -3144,20 +3562,34 @@
               <a:t>Zusammenfassung aus: </a:t>
             </a:r>
             <a:r>
-              <a:rPr b="0" lang="en-US" sz="1000" spc="-1" strike="noStrike">
+              <a:rPr lang="en-US" sz="1000" b="0" strike="noStrike" spc="-1" dirty="0" err="1">
                 <a:solidFill>
                   <a:srgbClr val="000000"/>
                 </a:solidFill>
                 <a:latin typeface="Calibri"/>
                 <a:ea typeface="Calibri"/>
               </a:rPr>
-              <a:t>Quelle: Guidelines on the development of open educational resources policies: UNESCO &amp; COMMONWEALTH OF LEARNING (2019) </a:t>
+              <a:t>Quelle</a:t>
+            </a:r>
+            <a:r>
+              <a:rPr lang="en-US" sz="1000" b="0" strike="noStrike" spc="-1" dirty="0">
+                <a:solidFill>
+                  <a:srgbClr val="000000"/>
+                </a:solidFill>
+                <a:latin typeface="Calibri"/>
+                <a:ea typeface="Calibri"/>
+              </a:rPr>
+              <a:t>: Guidelines on the development of open educational resources policies: UNESCO &amp; COMMONWEALTH OF LEARNING (2019) </a:t>
+            </a:r>
+            <a:r>
+              <a:rPr sz="1000" dirty="0"/>
+              <a:t/>
             </a:r>
             <a:br>
-              <a:rPr sz="1000"/>
+              <a:rPr sz="1000" dirty="0"/>
             </a:br>
             <a:r>
-              <a:rPr b="0" lang="en-US" sz="1000" spc="-1" strike="noStrike">
+              <a:rPr lang="en-US" sz="1000" b="0" strike="noStrike" spc="-1" dirty="0">
                 <a:solidFill>
                   <a:srgbClr val="000000"/>
                 </a:solidFill>
@@ -3167,19 +3599,19 @@
               <a:t> </a:t>
             </a:r>
             <a:r>
-              <a:rPr b="0" lang="en-US" sz="1000" spc="-1" strike="noStrike" u="sng">
+              <a:rPr lang="en-US" sz="1000" b="0" u="sng" strike="noStrike" spc="-1" dirty="0">
                 <a:solidFill>
-                  <a:srgbClr val="0563c1"/>
+                  <a:srgbClr val="0563C1"/>
                 </a:solidFill>
                 <a:uFillTx/>
                 <a:latin typeface="Calibri"/>
                 <a:ea typeface="Calibri"/>
-                <a:hlinkClick r:id="rId1"/>
+                <a:hlinkClick r:id="rId2"/>
               </a:rPr>
               <a:t>https://www.unesco.de/sites/default/files/2020-01/Guidelines_on_the_Development_of_OER_Policies_2019.pdf</a:t>
             </a:r>
             <a:r>
-              <a:rPr b="0" lang="en-US" sz="1000" spc="-1" strike="noStrike" u="sng">
+              <a:rPr lang="en-US" sz="1000" b="0" u="sng" strike="noStrike" spc="-1" dirty="0">
                 <a:solidFill>
                   <a:srgbClr val="000000"/>
                 </a:solidFill>
@@ -3189,7 +3621,7 @@
               </a:rPr>
               <a:t>, S.</a:t>
             </a:r>
-            <a:endParaRPr b="0" lang="de-DE" sz="1000" spc="-1" strike="noStrike">
+            <a:endParaRPr lang="de-DE" sz="1000" b="0" strike="noStrike" spc="-1" dirty="0">
               <a:latin typeface="Arial"/>
             </a:endParaRPr>
           </a:p>
@@ -3206,10 +3638,10 @@
               </a:spcAft>
               <a:buNone/>
               <a:tabLst>
-                <a:tab algn="l" pos="0"/>
+                <a:tab pos="0" algn="l"/>
               </a:tabLst>
             </a:pPr>
-            <a:endParaRPr b="0" lang="de-DE" sz="1000" spc="-1" strike="noStrike">
+            <a:endParaRPr lang="de-DE" sz="1000" b="0" strike="noStrike" spc="-1" dirty="0">
               <a:latin typeface="Arial"/>
             </a:endParaRPr>
           </a:p>
@@ -3223,26 +3655,61 @@
         </p:nvGraphicFramePr>
         <p:xfrm>
           <a:off x="422640" y="729000"/>
-          <a:ext cx="11346480" cy="1482840"/>
+          <a:ext cx="11346480" cy="5400000"/>
         </p:xfrm>
         <a:graphic>
           <a:graphicData uri="http://schemas.openxmlformats.org/drawingml/2006/table">
             <a:tbl>
               <a:tblPr/>
               <a:tblGrid>
-                <a:gridCol w="1021680"/>
-                <a:gridCol w="2255400"/>
-                <a:gridCol w="2136960"/>
-                <a:gridCol w="1512360"/>
-                <a:gridCol w="1539000"/>
-                <a:gridCol w="2881080"/>
+                <a:gridCol w="1021680">
+                  <a:extLst>
+                    <a:ext uri="{9D8B030D-6E8A-4147-A177-3AD203B41FA5}">
+                      <a16:colId xmlns:a16="http://schemas.microsoft.com/office/drawing/2014/main" val="20000"/>
+                    </a:ext>
+                  </a:extLst>
+                </a:gridCol>
+                <a:gridCol w="2255400">
+                  <a:extLst>
+                    <a:ext uri="{9D8B030D-6E8A-4147-A177-3AD203B41FA5}">
+                      <a16:colId xmlns:a16="http://schemas.microsoft.com/office/drawing/2014/main" val="20001"/>
+                    </a:ext>
+                  </a:extLst>
+                </a:gridCol>
+                <a:gridCol w="2136960">
+                  <a:extLst>
+                    <a:ext uri="{9D8B030D-6E8A-4147-A177-3AD203B41FA5}">
+                      <a16:colId xmlns:a16="http://schemas.microsoft.com/office/drawing/2014/main" val="20002"/>
+                    </a:ext>
+                  </a:extLst>
+                </a:gridCol>
+                <a:gridCol w="1512360">
+                  <a:extLst>
+                    <a:ext uri="{9D8B030D-6E8A-4147-A177-3AD203B41FA5}">
+                      <a16:colId xmlns:a16="http://schemas.microsoft.com/office/drawing/2014/main" val="20003"/>
+                    </a:ext>
+                  </a:extLst>
+                </a:gridCol>
+                <a:gridCol w="1539000">
+                  <a:extLst>
+                    <a:ext uri="{9D8B030D-6E8A-4147-A177-3AD203B41FA5}">
+                      <a16:colId xmlns:a16="http://schemas.microsoft.com/office/drawing/2014/main" val="20004"/>
+                    </a:ext>
+                  </a:extLst>
+                </a:gridCol>
+                <a:gridCol w="2881080">
+                  <a:extLst>
+                    <a:ext uri="{9D8B030D-6E8A-4147-A177-3AD203B41FA5}">
+                      <a16:colId xmlns:a16="http://schemas.microsoft.com/office/drawing/2014/main" val="20005"/>
+                    </a:ext>
+                  </a:extLst>
+                </a:gridCol>
               </a:tblGrid>
               <a:tr h="370800">
                 <a:tc>
                   <a:txBody>
-                    <a:bodyPr anchor="t">
-                      <a:noAutofit/>
-                    </a:bodyPr>
+                    <a:bodyPr/>
+                    <a:lstStyle/>
                     <a:p>
                       <a:pPr algn="ctr">
                         <a:lnSpc>
@@ -3251,51 +3718,50 @@
                         <a:buNone/>
                       </a:pPr>
                       <a:r>
-                        <a:rPr b="1" lang="de-DE" sz="1400" spc="-1" strike="noStrike">
+                        <a:rPr lang="de-DE" sz="1400" b="1" strike="noStrike" spc="-1">
                           <a:solidFill>
-                            <a:srgbClr val="ffffff"/>
+                            <a:srgbClr val="FFFFFF"/>
                           </a:solidFill>
                           <a:latin typeface="Calibri"/>
                           <a:ea typeface="Calibri"/>
                         </a:rPr>
                         <a:t>Ansatz</a:t>
                       </a:r>
-                      <a:endParaRPr b="0" lang="de-DE" sz="1400" spc="-1" strike="noStrike">
+                      <a:endParaRPr lang="de-DE" sz="1400" b="0" strike="noStrike" spc="-1">
                         <a:latin typeface="Arial"/>
                       </a:endParaRPr>
                     </a:p>
                   </a:txBody>
-                  <a:tcPr anchor="t" marL="91440" marR="91440">
+                  <a:tcPr>
                     <a:lnL w="12240">
                       <a:solidFill>
-                        <a:srgbClr val="ffffff"/>
+                        <a:srgbClr val="FFFFFF"/>
                       </a:solidFill>
                     </a:lnL>
                     <a:lnR w="12240">
                       <a:solidFill>
-                        <a:srgbClr val="ffffff"/>
+                        <a:srgbClr val="FFFFFF"/>
                       </a:solidFill>
                     </a:lnR>
                     <a:lnT w="12240">
                       <a:solidFill>
-                        <a:srgbClr val="ffffff"/>
+                        <a:srgbClr val="FFFFFF"/>
                       </a:solidFill>
                     </a:lnT>
                     <a:lnB w="38160">
                       <a:solidFill>
-                        <a:srgbClr val="ffffff"/>
+                        <a:srgbClr val="FFFFFF"/>
                       </a:solidFill>
                     </a:lnB>
                     <a:solidFill>
-                      <a:srgbClr val="4472c4"/>
+                      <a:srgbClr val="4472C4"/>
                     </a:solidFill>
                   </a:tcPr>
                 </a:tc>
                 <a:tc>
                   <a:txBody>
-                    <a:bodyPr anchor="t">
-                      <a:noAutofit/>
-                    </a:bodyPr>
+                    <a:bodyPr/>
+                    <a:lstStyle/>
                     <a:p>
                       <a:pPr algn="ctr">
                         <a:lnSpc>
@@ -3304,51 +3770,50 @@
                         <a:buNone/>
                       </a:pPr>
                       <a:r>
-                        <a:rPr b="1" lang="de-DE" sz="1400" spc="-1" strike="noStrike">
+                        <a:rPr lang="de-DE" sz="1400" b="1" strike="noStrike" spc="-1">
                           <a:solidFill>
-                            <a:srgbClr val="ffffff"/>
+                            <a:srgbClr val="FFFFFF"/>
                           </a:solidFill>
                           <a:latin typeface="Calibri"/>
                           <a:ea typeface="Calibri"/>
                         </a:rPr>
                         <a:t>Kernaspekt </a:t>
                       </a:r>
-                      <a:endParaRPr b="0" lang="de-DE" sz="1400" spc="-1" strike="noStrike">
+                      <a:endParaRPr lang="de-DE" sz="1400" b="0" strike="noStrike" spc="-1">
                         <a:latin typeface="Arial"/>
                       </a:endParaRPr>
                     </a:p>
                   </a:txBody>
-                  <a:tcPr anchor="t" marL="91440" marR="91440">
+                  <a:tcPr>
                     <a:lnL w="12240">
                       <a:solidFill>
-                        <a:srgbClr val="ffffff"/>
+                        <a:srgbClr val="FFFFFF"/>
                       </a:solidFill>
                     </a:lnL>
                     <a:lnR w="12240">
                       <a:solidFill>
-                        <a:srgbClr val="ffffff"/>
+                        <a:srgbClr val="FFFFFF"/>
                       </a:solidFill>
                     </a:lnR>
                     <a:lnT w="12240">
                       <a:solidFill>
-                        <a:srgbClr val="ffffff"/>
+                        <a:srgbClr val="FFFFFF"/>
                       </a:solidFill>
                     </a:lnT>
                     <a:lnB w="38160">
                       <a:solidFill>
-                        <a:srgbClr val="ffffff"/>
+                        <a:srgbClr val="FFFFFF"/>
                       </a:solidFill>
                     </a:lnB>
                     <a:solidFill>
-                      <a:srgbClr val="4472c4"/>
+                      <a:srgbClr val="4472C4"/>
                     </a:solidFill>
                   </a:tcPr>
                 </a:tc>
                 <a:tc>
                   <a:txBody>
-                    <a:bodyPr anchor="t">
-                      <a:noAutofit/>
-                    </a:bodyPr>
+                    <a:bodyPr/>
+                    <a:lstStyle/>
                     <a:p>
                       <a:pPr algn="ctr">
                         <a:lnSpc>
@@ -3357,50 +3822,49 @@
                         <a:buNone/>
                       </a:pPr>
                       <a:r>
-                        <a:rPr b="1" lang="de-DE" sz="1400" spc="-1" strike="noStrike">
+                        <a:rPr lang="de-DE" sz="1400" b="1" strike="noStrike" spc="-1">
                           <a:solidFill>
-                            <a:srgbClr val="ffffff"/>
+                            <a:srgbClr val="FFFFFF"/>
                           </a:solidFill>
                           <a:latin typeface="Calibri"/>
                         </a:rPr>
                         <a:t>Kernthese</a:t>
                       </a:r>
-                      <a:endParaRPr b="0" lang="de-DE" sz="1400" spc="-1" strike="noStrike">
+                      <a:endParaRPr lang="de-DE" sz="1400" b="0" strike="noStrike" spc="-1">
                         <a:latin typeface="Arial"/>
                       </a:endParaRPr>
                     </a:p>
                   </a:txBody>
-                  <a:tcPr anchor="t" marL="91440" marR="91440">
+                  <a:tcPr>
                     <a:lnL w="12240">
                       <a:solidFill>
-                        <a:srgbClr val="ffffff"/>
+                        <a:srgbClr val="FFFFFF"/>
                       </a:solidFill>
                     </a:lnL>
                     <a:lnR w="12240">
                       <a:solidFill>
-                        <a:srgbClr val="ffffff"/>
+                        <a:srgbClr val="FFFFFF"/>
                       </a:solidFill>
                     </a:lnR>
                     <a:lnT w="12240">
                       <a:solidFill>
-                        <a:srgbClr val="ffffff"/>
+                        <a:srgbClr val="FFFFFF"/>
                       </a:solidFill>
                     </a:lnT>
                     <a:lnB w="38160">
                       <a:solidFill>
-                        <a:srgbClr val="ffffff"/>
+                        <a:srgbClr val="FFFFFF"/>
                       </a:solidFill>
                     </a:lnB>
                     <a:solidFill>
-                      <a:srgbClr val="4472c4"/>
+                      <a:srgbClr val="4472C4"/>
                     </a:solidFill>
                   </a:tcPr>
                 </a:tc>
                 <a:tc>
                   <a:txBody>
-                    <a:bodyPr anchor="t">
-                      <a:noAutofit/>
-                    </a:bodyPr>
+                    <a:bodyPr/>
+                    <a:lstStyle/>
                     <a:p>
                       <a:pPr algn="ctr">
                         <a:lnSpc>
@@ -3409,51 +3873,50 @@
                         <a:buNone/>
                       </a:pPr>
                       <a:r>
-                        <a:rPr b="1" lang="de-DE" sz="1400" spc="-1" strike="noStrike">
+                        <a:rPr lang="de-DE" sz="1400" b="1" strike="noStrike" spc="-1">
                           <a:solidFill>
-                            <a:srgbClr val="ffffff"/>
+                            <a:srgbClr val="FFFFFF"/>
                           </a:solidFill>
                           <a:latin typeface="Calibri"/>
                           <a:ea typeface="Calibri"/>
                         </a:rPr>
                         <a:t>Vorteile</a:t>
                       </a:r>
-                      <a:endParaRPr b="0" lang="de-DE" sz="1400" spc="-1" strike="noStrike">
+                      <a:endParaRPr lang="de-DE" sz="1400" b="0" strike="noStrike" spc="-1">
                         <a:latin typeface="Arial"/>
                       </a:endParaRPr>
                     </a:p>
                   </a:txBody>
-                  <a:tcPr anchor="t" marL="91440" marR="91440">
+                  <a:tcPr>
                     <a:lnL w="12240">
                       <a:solidFill>
-                        <a:srgbClr val="ffffff"/>
+                        <a:srgbClr val="FFFFFF"/>
                       </a:solidFill>
                     </a:lnL>
                     <a:lnR w="12240">
                       <a:solidFill>
-                        <a:srgbClr val="ffffff"/>
+                        <a:srgbClr val="FFFFFF"/>
                       </a:solidFill>
                     </a:lnR>
                     <a:lnT w="12240">
                       <a:solidFill>
-                        <a:srgbClr val="ffffff"/>
+                        <a:srgbClr val="FFFFFF"/>
                       </a:solidFill>
                     </a:lnT>
                     <a:lnB w="38160">
                       <a:solidFill>
-                        <a:srgbClr val="ffffff"/>
+                        <a:srgbClr val="FFFFFF"/>
                       </a:solidFill>
                     </a:lnB>
                     <a:solidFill>
-                      <a:srgbClr val="4472c4"/>
+                      <a:srgbClr val="4472C4"/>
                     </a:solidFill>
                   </a:tcPr>
                 </a:tc>
                 <a:tc>
                   <a:txBody>
-                    <a:bodyPr anchor="t">
-                      <a:noAutofit/>
-                    </a:bodyPr>
+                    <a:bodyPr/>
+                    <a:lstStyle/>
                     <a:p>
                       <a:pPr algn="ctr">
                         <a:lnSpc>
@@ -3462,50 +3925,49 @@
                         <a:buNone/>
                       </a:pPr>
                       <a:r>
-                        <a:rPr b="1" lang="de-DE" sz="1400" spc="-1" strike="noStrike">
+                        <a:rPr lang="de-DE" sz="1400" b="1" strike="noStrike" spc="-1">
                           <a:solidFill>
-                            <a:srgbClr val="ffffff"/>
+                            <a:srgbClr val="FFFFFF"/>
                           </a:solidFill>
                           <a:latin typeface="Calibri"/>
                         </a:rPr>
                         <a:t>Nachteile</a:t>
                       </a:r>
-                      <a:endParaRPr b="0" lang="de-DE" sz="1400" spc="-1" strike="noStrike">
+                      <a:endParaRPr lang="de-DE" sz="1400" b="0" strike="noStrike" spc="-1">
                         <a:latin typeface="Arial"/>
                       </a:endParaRPr>
                     </a:p>
                   </a:txBody>
-                  <a:tcPr anchor="t" marL="91440" marR="91440">
+                  <a:tcPr>
                     <a:lnL w="12240">
                       <a:solidFill>
-                        <a:srgbClr val="ffffff"/>
+                        <a:srgbClr val="FFFFFF"/>
                       </a:solidFill>
                     </a:lnL>
                     <a:lnR w="12240">
                       <a:solidFill>
-                        <a:srgbClr val="ffffff"/>
+                        <a:srgbClr val="FFFFFF"/>
                       </a:solidFill>
                     </a:lnR>
                     <a:lnT w="12240">
                       <a:solidFill>
-                        <a:srgbClr val="ffffff"/>
+                        <a:srgbClr val="FFFFFF"/>
                       </a:solidFill>
                     </a:lnT>
                     <a:lnB w="38160">
                       <a:solidFill>
-                        <a:srgbClr val="ffffff"/>
+                        <a:srgbClr val="FFFFFF"/>
                       </a:solidFill>
                     </a:lnB>
                     <a:solidFill>
-                      <a:srgbClr val="4472c4"/>
+                      <a:srgbClr val="4472C4"/>
                     </a:solidFill>
                   </a:tcPr>
                 </a:tc>
                 <a:tc>
                   <a:txBody>
-                    <a:bodyPr anchor="t">
-                      <a:noAutofit/>
-                    </a:bodyPr>
+                    <a:bodyPr/>
+                    <a:lstStyle/>
                     <a:p>
                       <a:pPr algn="ctr">
                         <a:lnSpc>
@@ -3514,52 +3976,56 @@
                         <a:buNone/>
                       </a:pPr>
                       <a:r>
-                        <a:rPr b="1" lang="de-DE" sz="1400" spc="-1" strike="noStrike">
+                        <a:rPr lang="de-DE" sz="1400" b="1" strike="noStrike" spc="-1">
                           <a:solidFill>
-                            <a:srgbClr val="ffffff"/>
+                            <a:srgbClr val="FFFFFF"/>
                           </a:solidFill>
                           <a:latin typeface="Calibri"/>
                         </a:rPr>
                         <a:t>Anwendungsempfehlung</a:t>
                       </a:r>
-                      <a:endParaRPr b="0" lang="de-DE" sz="1400" spc="-1" strike="noStrike">
+                      <a:endParaRPr lang="de-DE" sz="1400" b="0" strike="noStrike" spc="-1">
                         <a:latin typeface="Arial"/>
                       </a:endParaRPr>
                     </a:p>
                   </a:txBody>
-                  <a:tcPr anchor="t" marL="91440" marR="91440">
+                  <a:tcPr>
                     <a:lnL w="12240">
                       <a:solidFill>
-                        <a:srgbClr val="ffffff"/>
+                        <a:srgbClr val="FFFFFF"/>
                       </a:solidFill>
                     </a:lnL>
                     <a:lnR w="12240">
                       <a:solidFill>
-                        <a:srgbClr val="ffffff"/>
+                        <a:srgbClr val="FFFFFF"/>
                       </a:solidFill>
                     </a:lnR>
                     <a:lnT w="12240">
                       <a:solidFill>
-                        <a:srgbClr val="ffffff"/>
+                        <a:srgbClr val="FFFFFF"/>
                       </a:solidFill>
                     </a:lnT>
                     <a:lnB w="38160">
                       <a:solidFill>
-                        <a:srgbClr val="ffffff"/>
+                        <a:srgbClr val="FFFFFF"/>
                       </a:solidFill>
                     </a:lnB>
                     <a:solidFill>
-                      <a:srgbClr val="4472c4"/>
+                      <a:srgbClr val="4472C4"/>
                     </a:solidFill>
                   </a:tcPr>
                 </a:tc>
+                <a:extLst>
+                  <a:ext uri="{0D108BD9-81ED-4DB2-BD59-A6C34878D82A}">
+                    <a16:rowId xmlns:a16="http://schemas.microsoft.com/office/drawing/2014/main" val="10000"/>
+                  </a:ext>
+                </a:extLst>
               </a:tr>
               <a:tr h="370800">
                 <a:tc>
                   <a:txBody>
-                    <a:bodyPr anchor="t">
-                      <a:noAutofit/>
-                    </a:bodyPr>
+                    <a:bodyPr/>
+                    <a:lstStyle/>
                     <a:p>
                       <a:pPr>
                         <a:lnSpc>
@@ -3568,7 +4034,7 @@
                         <a:buNone/>
                       </a:pPr>
                       <a:r>
-                        <a:rPr b="1" lang="de-DE" sz="1400" spc="-1" strike="noStrike">
+                        <a:rPr lang="de-DE" sz="1400" b="1" strike="noStrike" spc="-1">
                           <a:solidFill>
                             <a:srgbClr val="000000"/>
                           </a:solidFill>
@@ -3576,42 +4042,45 @@
                         </a:rPr>
                         <a:t>Top-Down</a:t>
                       </a:r>
-                      <a:endParaRPr b="0" lang="de-DE" sz="1400" spc="-1" strike="noStrike">
+                      <a:endParaRPr lang="de-DE" sz="1400" b="0" strike="noStrike" spc="-1">
                         <a:latin typeface="Arial"/>
                       </a:endParaRPr>
                     </a:p>
                   </a:txBody>
-                  <a:tcPr anchor="t" marL="91440" marR="91440">
+                  <a:tcPr>
                     <a:lnL w="12240">
                       <a:solidFill>
-                        <a:srgbClr val="ffffff"/>
+                        <a:srgbClr val="FFFFFF"/>
                       </a:solidFill>
                     </a:lnL>
                     <a:lnR w="12240">
                       <a:solidFill>
-                        <a:srgbClr val="ffffff"/>
+                        <a:srgbClr val="FFFFFF"/>
                       </a:solidFill>
                     </a:lnR>
-                    <a:lnT w="12240">
-                      <a:solidFill>
-                        <a:srgbClr val="ffffff"/>
-                      </a:solidFill>
+                    <a:lnT w="38160" cap="flat" cmpd="sng" algn="ctr">
+                      <a:solidFill>
+                        <a:srgbClr val="FFFFFF"/>
+                      </a:solidFill>
+                      <a:prstDash val="solid"/>
+                      <a:round/>
+                      <a:headEnd type="none" w="med" len="med"/>
+                      <a:tailEnd type="none" w="med" len="med"/>
                     </a:lnT>
                     <a:lnB w="12240">
                       <a:solidFill>
-                        <a:srgbClr val="ffffff"/>
+                        <a:srgbClr val="FFFFFF"/>
                       </a:solidFill>
                     </a:lnB>
                     <a:solidFill>
-                      <a:srgbClr val="cfd5e9"/>
+                      <a:srgbClr val="CFD5E9"/>
                     </a:solidFill>
                   </a:tcPr>
                 </a:tc>
                 <a:tc>
                   <a:txBody>
-                    <a:bodyPr anchor="t">
-                      <a:noAutofit/>
-                    </a:bodyPr>
+                    <a:bodyPr/>
+                    <a:lstStyle/>
                     <a:p>
                       <a:pPr>
                         <a:lnSpc>
@@ -3620,7 +4089,7 @@
                         <a:buNone/>
                       </a:pPr>
                       <a:r>
-                        <a:rPr b="0" lang="de-DE" sz="1200" spc="-1" strike="noStrike">
+                        <a:rPr lang="de-DE" sz="1200" b="0" strike="noStrike" spc="-1">
                           <a:solidFill>
                             <a:srgbClr val="000000"/>
                           </a:solidFill>
@@ -3628,42 +4097,45 @@
                         </a:rPr>
                         <a:t>Entscheidungen, Richtlinien und Maßnahmen von oberer Ebene initiiert, gesteuert und schrittweise nach unten durch die verschiedenen Hierarchieebenen bis zur Basis umgesetzt. </a:t>
                       </a:r>
-                      <a:endParaRPr b="0" lang="de-DE" sz="1200" spc="-1" strike="noStrike">
+                      <a:endParaRPr lang="de-DE" sz="1200" b="0" strike="noStrike" spc="-1">
                         <a:latin typeface="Arial"/>
                       </a:endParaRPr>
                     </a:p>
                   </a:txBody>
-                  <a:tcPr anchor="t" marL="91440" marR="91440">
+                  <a:tcPr>
                     <a:lnL w="12240">
                       <a:solidFill>
-                        <a:srgbClr val="ffffff"/>
+                        <a:srgbClr val="FFFFFF"/>
                       </a:solidFill>
                     </a:lnL>
                     <a:lnR w="12240">
                       <a:solidFill>
-                        <a:srgbClr val="ffffff"/>
+                        <a:srgbClr val="FFFFFF"/>
                       </a:solidFill>
                     </a:lnR>
-                    <a:lnT w="12240">
-                      <a:solidFill>
-                        <a:srgbClr val="ffffff"/>
-                      </a:solidFill>
+                    <a:lnT w="38160" cap="flat" cmpd="sng" algn="ctr">
+                      <a:solidFill>
+                        <a:srgbClr val="FFFFFF"/>
+                      </a:solidFill>
+                      <a:prstDash val="solid"/>
+                      <a:round/>
+                      <a:headEnd type="none" w="med" len="med"/>
+                      <a:tailEnd type="none" w="med" len="med"/>
                     </a:lnT>
                     <a:lnB w="12240">
                       <a:solidFill>
-                        <a:srgbClr val="ffffff"/>
+                        <a:srgbClr val="FFFFFF"/>
                       </a:solidFill>
                     </a:lnB>
                     <a:solidFill>
-                      <a:srgbClr val="cfd5e9"/>
+                      <a:srgbClr val="CFD5E9"/>
                     </a:solidFill>
                   </a:tcPr>
                 </a:tc>
                 <a:tc>
                   <a:txBody>
-                    <a:bodyPr anchor="t">
-                      <a:noAutofit/>
-                    </a:bodyPr>
+                    <a:bodyPr/>
+                    <a:lstStyle/>
                     <a:p>
                       <a:pPr>
                         <a:lnSpc>
@@ -3672,7 +4144,7 @@
                         <a:buNone/>
                       </a:pPr>
                       <a:r>
-                        <a:rPr b="0" lang="de-DE" sz="1200" spc="-1" strike="noStrike">
+                        <a:rPr lang="de-DE" sz="1200" b="0" strike="noStrike" spc="-1">
                           <a:solidFill>
                             <a:srgbClr val="000000"/>
                           </a:solidFill>
@@ -3680,42 +4152,45 @@
                         </a:rPr>
                         <a:t>Der Ansatz basiert auf der Annahme, dass zentrale Autoritäten am besten in der Lage sind, umfassende Strategien zu entwickeln und durchzuführen, die auf einer gesamtheitlichen Sicht auf Ziele und Herausforderungen beruhen</a:t>
                       </a:r>
-                      <a:endParaRPr b="0" lang="de-DE" sz="1200" spc="-1" strike="noStrike">
+                      <a:endParaRPr lang="de-DE" sz="1200" b="0" strike="noStrike" spc="-1">
                         <a:latin typeface="Arial"/>
                       </a:endParaRPr>
                     </a:p>
                   </a:txBody>
-                  <a:tcPr anchor="t" marL="91440" marR="91440">
+                  <a:tcPr>
                     <a:lnL w="12240">
                       <a:solidFill>
-                        <a:srgbClr val="ffffff"/>
+                        <a:srgbClr val="FFFFFF"/>
                       </a:solidFill>
                     </a:lnL>
                     <a:lnR w="12240">
                       <a:solidFill>
-                        <a:srgbClr val="ffffff"/>
+                        <a:srgbClr val="FFFFFF"/>
                       </a:solidFill>
                     </a:lnR>
-                    <a:lnT w="12240">
-                      <a:solidFill>
-                        <a:srgbClr val="ffffff"/>
-                      </a:solidFill>
+                    <a:lnT w="38160" cap="flat" cmpd="sng" algn="ctr">
+                      <a:solidFill>
+                        <a:srgbClr val="FFFFFF"/>
+                      </a:solidFill>
+                      <a:prstDash val="solid"/>
+                      <a:round/>
+                      <a:headEnd type="none" w="med" len="med"/>
+                      <a:tailEnd type="none" w="med" len="med"/>
                     </a:lnT>
                     <a:lnB w="12240">
                       <a:solidFill>
-                        <a:srgbClr val="ffffff"/>
+                        <a:srgbClr val="FFFFFF"/>
                       </a:solidFill>
                     </a:lnB>
                     <a:solidFill>
-                      <a:srgbClr val="cfd5e9"/>
+                      <a:srgbClr val="CFD5E9"/>
                     </a:solidFill>
                   </a:tcPr>
                 </a:tc>
                 <a:tc>
                   <a:txBody>
-                    <a:bodyPr anchor="t">
-                      <a:noAutofit/>
-                    </a:bodyPr>
+                    <a:bodyPr/>
+                    <a:lstStyle/>
                     <a:p>
                       <a:pPr>
                         <a:lnSpc>
@@ -3724,7 +4199,7 @@
                         <a:buNone/>
                       </a:pPr>
                       <a:r>
-                        <a:rPr b="0" lang="de-DE" sz="1200" spc="-1" strike="noStrike">
+                        <a:rPr lang="de-DE" sz="1200" b="0" strike="noStrike" spc="-1">
                           <a:solidFill>
                             <a:srgbClr val="000000"/>
                           </a:solidFill>
@@ -3733,42 +4208,45 @@
                         </a:rPr>
                         <a:t>Ermöglicht Regulierung, Durchsetzung und Ressourcenallokation von Aktivitäten und Verhaltensweisen</a:t>
                       </a:r>
-                      <a:endParaRPr b="0" lang="de-DE" sz="1200" spc="-1" strike="noStrike">
+                      <a:endParaRPr lang="de-DE" sz="1200" b="0" strike="noStrike" spc="-1">
                         <a:latin typeface="Arial"/>
                       </a:endParaRPr>
                     </a:p>
                   </a:txBody>
-                  <a:tcPr anchor="t" marL="91440" marR="91440">
+                  <a:tcPr>
                     <a:lnL w="12240">
                       <a:solidFill>
-                        <a:srgbClr val="ffffff"/>
+                        <a:srgbClr val="FFFFFF"/>
                       </a:solidFill>
                     </a:lnL>
                     <a:lnR w="12240">
                       <a:solidFill>
-                        <a:srgbClr val="ffffff"/>
+                        <a:srgbClr val="FFFFFF"/>
                       </a:solidFill>
                     </a:lnR>
-                    <a:lnT w="12240">
-                      <a:solidFill>
-                        <a:srgbClr val="ffffff"/>
-                      </a:solidFill>
+                    <a:lnT w="38160" cap="flat" cmpd="sng" algn="ctr">
+                      <a:solidFill>
+                        <a:srgbClr val="FFFFFF"/>
+                      </a:solidFill>
+                      <a:prstDash val="solid"/>
+                      <a:round/>
+                      <a:headEnd type="none" w="med" len="med"/>
+                      <a:tailEnd type="none" w="med" len="med"/>
                     </a:lnT>
                     <a:lnB w="12240">
                       <a:solidFill>
-                        <a:srgbClr val="ffffff"/>
+                        <a:srgbClr val="FFFFFF"/>
                       </a:solidFill>
                     </a:lnB>
                     <a:solidFill>
-                      <a:srgbClr val="cfd5e9"/>
+                      <a:srgbClr val="CFD5E9"/>
                     </a:solidFill>
                   </a:tcPr>
                 </a:tc>
                 <a:tc>
                   <a:txBody>
-                    <a:bodyPr anchor="t">
-                      <a:noAutofit/>
-                    </a:bodyPr>
+                    <a:bodyPr/>
+                    <a:lstStyle/>
                     <a:p>
                       <a:pPr>
                         <a:lnSpc>
@@ -3777,7 +4255,7 @@
                         <a:buNone/>
                       </a:pPr>
                       <a:r>
-                        <a:rPr b="0" lang="de-DE" sz="1200" spc="-1" strike="noStrike">
+                        <a:rPr lang="de-DE" sz="1200" b="0" strike="noStrike" spc="-1">
                           <a:solidFill>
                             <a:srgbClr val="000000"/>
                           </a:solidFill>
@@ -3786,7 +4264,7 @@
                         </a:rPr>
                         <a:t>Kann wichtige kontextuelle Faktoren vernachlässigen</a:t>
                       </a:r>
-                      <a:endParaRPr b="0" lang="de-DE" sz="1200" spc="-1" strike="noStrike">
+                      <a:endParaRPr lang="de-DE" sz="1200" b="0" strike="noStrike" spc="-1">
                         <a:latin typeface="Arial"/>
                       </a:endParaRPr>
                     </a:p>
@@ -3797,7 +4275,7 @@
                         </a:lnSpc>
                         <a:buNone/>
                       </a:pPr>
-                      <a:endParaRPr b="0" lang="de-DE" sz="1200" spc="-1" strike="noStrike">
+                      <a:endParaRPr lang="de-DE" sz="1200" b="0" strike="noStrike" spc="-1">
                         <a:latin typeface="Arial"/>
                       </a:endParaRPr>
                     </a:p>
@@ -3809,7 +4287,7 @@
                         <a:buNone/>
                       </a:pPr>
                       <a:r>
-                        <a:rPr b="0" lang="de-DE" sz="1200" spc="-1" strike="noStrike">
+                        <a:rPr lang="de-DE" sz="1200" b="0" strike="noStrike" spc="-1">
                           <a:solidFill>
                             <a:srgbClr val="000000"/>
                           </a:solidFill>
@@ -3818,7 +4296,7 @@
                         </a:rPr>
                         <a:t>Bestehende Praktiken können übersehen werden </a:t>
                       </a:r>
-                      <a:endParaRPr b="0" lang="de-DE" sz="1200" spc="-1" strike="noStrike">
+                      <a:endParaRPr lang="de-DE" sz="1200" b="0" strike="noStrike" spc="-1">
                         <a:latin typeface="Arial"/>
                       </a:endParaRPr>
                     </a:p>
@@ -3829,42 +4307,45 @@
                         </a:lnSpc>
                         <a:buNone/>
                       </a:pPr>
-                      <a:endParaRPr b="0" lang="de-DE" sz="1200" spc="-1" strike="noStrike">
+                      <a:endParaRPr lang="de-DE" sz="1200" b="0" strike="noStrike" spc="-1">
                         <a:latin typeface="Arial"/>
                       </a:endParaRPr>
                     </a:p>
                   </a:txBody>
-                  <a:tcPr anchor="t" marL="91440" marR="91440">
+                  <a:tcPr>
                     <a:lnL w="12240">
                       <a:solidFill>
-                        <a:srgbClr val="ffffff"/>
+                        <a:srgbClr val="FFFFFF"/>
                       </a:solidFill>
                     </a:lnL>
                     <a:lnR w="12240">
                       <a:solidFill>
-                        <a:srgbClr val="ffffff"/>
+                        <a:srgbClr val="FFFFFF"/>
                       </a:solidFill>
                     </a:lnR>
-                    <a:lnT w="12240">
-                      <a:solidFill>
-                        <a:srgbClr val="ffffff"/>
-                      </a:solidFill>
+                    <a:lnT w="38160" cap="flat" cmpd="sng" algn="ctr">
+                      <a:solidFill>
+                        <a:srgbClr val="FFFFFF"/>
+                      </a:solidFill>
+                      <a:prstDash val="solid"/>
+                      <a:round/>
+                      <a:headEnd type="none" w="med" len="med"/>
+                      <a:tailEnd type="none" w="med" len="med"/>
                     </a:lnT>
                     <a:lnB w="12240">
                       <a:solidFill>
-                        <a:srgbClr val="ffffff"/>
+                        <a:srgbClr val="FFFFFF"/>
                       </a:solidFill>
                     </a:lnB>
                     <a:solidFill>
-                      <a:srgbClr val="cfd5e9"/>
+                      <a:srgbClr val="CFD5E9"/>
                     </a:solidFill>
                   </a:tcPr>
                 </a:tc>
                 <a:tc>
                   <a:txBody>
-                    <a:bodyPr anchor="t">
-                      <a:noAutofit/>
-                    </a:bodyPr>
+                    <a:bodyPr/>
+                    <a:lstStyle/>
                     <a:p>
                       <a:pPr>
                         <a:lnSpc>
@@ -3873,7 +4354,7 @@
                         <a:buNone/>
                       </a:pPr>
                       <a:r>
-                        <a:rPr b="0" lang="de-DE" sz="1200" spc="-1" strike="noStrike">
+                        <a:rPr lang="de-DE" sz="1200" b="0" strike="noStrike" spc="-1">
                           <a:solidFill>
                             <a:srgbClr val="000000"/>
                           </a:solidFill>
@@ -3882,7 +4363,7 @@
                         </a:rPr>
                         <a:t>Situationen, in der die angestrebte Praxis umstritten ist und geringe Eigenmotivation aus der Gesamtheit heraus vorhanden ist. </a:t>
                       </a:r>
-                      <a:endParaRPr b="0" lang="de-DE" sz="1200" spc="-1" strike="noStrike">
+                      <a:endParaRPr lang="de-DE" sz="1200" b="0" strike="noStrike" spc="-1">
                         <a:latin typeface="Arial"/>
                       </a:endParaRPr>
                     </a:p>
@@ -3894,7 +4375,7 @@
                         <a:buNone/>
                       </a:pPr>
                       <a:r>
-                        <a:rPr b="0" lang="de-DE" sz="1200" spc="-1" strike="noStrike">
+                        <a:rPr lang="de-DE" sz="1200" b="0" strike="noStrike" spc="-1">
                           <a:solidFill>
                             <a:srgbClr val="000000"/>
                           </a:solidFill>
@@ -3903,44 +4384,52 @@
                         </a:rPr>
                         <a:t>Sondierungsinitiativen sollten ausdrücklich ermutigt werden, um die Transformation von Lehre und Lehren und Lernen durch neue Anwendungen und Entwicklungen von OER zu unterstützen.</a:t>
                       </a:r>
-                      <a:endParaRPr b="0" lang="de-DE" sz="1200" spc="-1" strike="noStrike">
+                      <a:endParaRPr lang="de-DE" sz="1200" b="0" strike="noStrike" spc="-1">
                         <a:latin typeface="Arial"/>
                       </a:endParaRPr>
                     </a:p>
                   </a:txBody>
-                  <a:tcPr anchor="t" marL="91440" marR="91440">
+                  <a:tcPr>
                     <a:lnL w="12240">
                       <a:solidFill>
-                        <a:srgbClr val="ffffff"/>
+                        <a:srgbClr val="FFFFFF"/>
                       </a:solidFill>
                     </a:lnL>
                     <a:lnR w="12240">
                       <a:solidFill>
-                        <a:srgbClr val="ffffff"/>
+                        <a:srgbClr val="FFFFFF"/>
                       </a:solidFill>
                     </a:lnR>
-                    <a:lnT w="12240">
-                      <a:solidFill>
-                        <a:srgbClr val="ffffff"/>
-                      </a:solidFill>
+                    <a:lnT w="38160" cap="flat" cmpd="sng" algn="ctr">
+                      <a:solidFill>
+                        <a:srgbClr val="FFFFFF"/>
+                      </a:solidFill>
+                      <a:prstDash val="solid"/>
+                      <a:round/>
+                      <a:headEnd type="none" w="med" len="med"/>
+                      <a:tailEnd type="none" w="med" len="med"/>
                     </a:lnT>
                     <a:lnB w="12240">
                       <a:solidFill>
-                        <a:srgbClr val="ffffff"/>
+                        <a:srgbClr val="FFFFFF"/>
                       </a:solidFill>
                     </a:lnB>
                     <a:solidFill>
-                      <a:srgbClr val="cfd5e9"/>
+                      <a:srgbClr val="CFD5E9"/>
                     </a:solidFill>
                   </a:tcPr>
                 </a:tc>
+                <a:extLst>
+                  <a:ext uri="{0D108BD9-81ED-4DB2-BD59-A6C34878D82A}">
+                    <a16:rowId xmlns:a16="http://schemas.microsoft.com/office/drawing/2014/main" val="10001"/>
+                  </a:ext>
+                </a:extLst>
               </a:tr>
               <a:tr h="370800">
                 <a:tc>
                   <a:txBody>
-                    <a:bodyPr anchor="t">
-                      <a:noAutofit/>
-                    </a:bodyPr>
+                    <a:bodyPr/>
+                    <a:lstStyle/>
                     <a:p>
                       <a:pPr>
                         <a:lnSpc>
@@ -3949,7 +4438,7 @@
                         <a:buNone/>
                       </a:pPr>
                       <a:r>
-                        <a:rPr b="1" lang="de-DE" sz="1400" spc="-1" strike="noStrike">
+                        <a:rPr lang="de-DE" sz="1400" b="1" strike="noStrike" spc="-1">
                           <a:solidFill>
                             <a:srgbClr val="000000"/>
                           </a:solidFill>
@@ -3957,42 +4446,41 @@
                         </a:rPr>
                         <a:t>Bottom-up</a:t>
                       </a:r>
-                      <a:endParaRPr b="0" lang="de-DE" sz="1400" spc="-1" strike="noStrike">
+                      <a:endParaRPr lang="de-DE" sz="1400" b="0" strike="noStrike" spc="-1">
                         <a:latin typeface="Arial"/>
                       </a:endParaRPr>
                     </a:p>
                   </a:txBody>
-                  <a:tcPr anchor="t" marL="91440" marR="91440">
+                  <a:tcPr>
                     <a:lnL w="12240">
                       <a:solidFill>
-                        <a:srgbClr val="ffffff"/>
+                        <a:srgbClr val="FFFFFF"/>
                       </a:solidFill>
                     </a:lnL>
                     <a:lnR w="12240">
                       <a:solidFill>
-                        <a:srgbClr val="ffffff"/>
+                        <a:srgbClr val="FFFFFF"/>
                       </a:solidFill>
                     </a:lnR>
                     <a:lnT w="12240">
                       <a:solidFill>
-                        <a:srgbClr val="ffffff"/>
+                        <a:srgbClr val="FFFFFF"/>
                       </a:solidFill>
                     </a:lnT>
                     <a:lnB w="12240">
                       <a:solidFill>
-                        <a:srgbClr val="ffffff"/>
+                        <a:srgbClr val="FFFFFF"/>
                       </a:solidFill>
                     </a:lnB>
                     <a:solidFill>
-                      <a:srgbClr val="e8ebf4"/>
+                      <a:srgbClr val="E8EBF4"/>
                     </a:solidFill>
                   </a:tcPr>
                 </a:tc>
                 <a:tc>
                   <a:txBody>
-                    <a:bodyPr anchor="t">
-                      <a:noAutofit/>
-                    </a:bodyPr>
+                    <a:bodyPr/>
+                    <a:lstStyle/>
                     <a:p>
                       <a:pPr>
                         <a:lnSpc>
@@ -4000,11 +4488,11 @@
                         </a:lnSpc>
                         <a:buNone/>
                         <a:tabLst>
-                          <a:tab algn="l" pos="0"/>
+                          <a:tab pos="0" algn="l"/>
                         </a:tabLst>
                       </a:pPr>
                       <a:r>
-                        <a:rPr b="0" lang="de-DE" sz="1200" spc="-1" strike="noStrike">
+                        <a:rPr lang="de-DE" sz="1200" b="0" strike="noStrike" spc="-1">
                           <a:solidFill>
                             <a:srgbClr val="000000"/>
                           </a:solidFill>
@@ -4013,7 +4501,7 @@
                         </a:rPr>
                         <a:t>Der Prozess startet an der Basis bei individuellen Akteuren, die Veränderungen und Maßnahmen entsprechend ihrer spezifischen Kontexte initiieren </a:t>
                       </a:r>
-                      <a:endParaRPr b="0" lang="de-DE" sz="1200" spc="-1" strike="noStrike">
+                      <a:endParaRPr lang="de-DE" sz="1200" b="0" strike="noStrike" spc="-1">
                         <a:latin typeface="Arial"/>
                       </a:endParaRPr>
                     </a:p>
@@ -4024,45 +4512,44 @@
                         </a:lnSpc>
                         <a:buNone/>
                         <a:tabLst>
-                          <a:tab algn="l" pos="0"/>
+                          <a:tab pos="0" algn="l"/>
                         </a:tabLst>
                       </a:pPr>
-                      <a:endParaRPr b="0" lang="de-DE" sz="1200" spc="-1" strike="noStrike">
+                      <a:endParaRPr lang="de-DE" sz="1200" b="0" strike="noStrike" spc="-1">
                         <a:latin typeface="Arial"/>
                       </a:endParaRPr>
                     </a:p>
                   </a:txBody>
-                  <a:tcPr anchor="t" marL="91440" marR="91440">
+                  <a:tcPr>
                     <a:lnL w="12240">
                       <a:solidFill>
-                        <a:srgbClr val="ffffff"/>
+                        <a:srgbClr val="FFFFFF"/>
                       </a:solidFill>
                     </a:lnL>
                     <a:lnR w="12240">
                       <a:solidFill>
-                        <a:srgbClr val="ffffff"/>
+                        <a:srgbClr val="FFFFFF"/>
                       </a:solidFill>
                     </a:lnR>
                     <a:lnT w="12240">
                       <a:solidFill>
-                        <a:srgbClr val="ffffff"/>
+                        <a:srgbClr val="FFFFFF"/>
                       </a:solidFill>
                     </a:lnT>
                     <a:lnB w="12240">
                       <a:solidFill>
-                        <a:srgbClr val="ffffff"/>
+                        <a:srgbClr val="FFFFFF"/>
                       </a:solidFill>
                     </a:lnB>
                     <a:solidFill>
-                      <a:srgbClr val="e8ebf4"/>
+                      <a:srgbClr val="E8EBF4"/>
                     </a:solidFill>
                   </a:tcPr>
                 </a:tc>
                 <a:tc>
                   <a:txBody>
-                    <a:bodyPr anchor="t">
-                      <a:noAutofit/>
-                    </a:bodyPr>
+                    <a:bodyPr/>
+                    <a:lstStyle/>
                     <a:p>
                       <a:pPr>
                         <a:lnSpc>
@@ -4071,7 +4558,7 @@
                         <a:buNone/>
                       </a:pPr>
                       <a:r>
-                        <a:rPr b="0" lang="de-DE" sz="1200" spc="-1" strike="noStrike">
+                        <a:rPr lang="de-DE" sz="1200" b="0" strike="noStrike" spc="-1">
                           <a:solidFill>
                             <a:srgbClr val="000000"/>
                           </a:solidFill>
@@ -4079,42 +4566,41 @@
                         </a:rPr>
                         <a:t>Der Ansatz gründet auf lokale Kenntnisse und Eigeninitiative, die Innovationen und Praktiken von der Basis aus  fördert und nach oben in weitere Ebenen skaliert.</a:t>
                       </a:r>
-                      <a:endParaRPr b="0" lang="de-DE" sz="1200" spc="-1" strike="noStrike">
+                      <a:endParaRPr lang="de-DE" sz="1200" b="0" strike="noStrike" spc="-1">
                         <a:latin typeface="Arial"/>
                       </a:endParaRPr>
                     </a:p>
                   </a:txBody>
-                  <a:tcPr anchor="t" marL="91440" marR="91440">
+                  <a:tcPr>
                     <a:lnL w="12240">
                       <a:solidFill>
-                        <a:srgbClr val="ffffff"/>
+                        <a:srgbClr val="FFFFFF"/>
                       </a:solidFill>
                     </a:lnL>
                     <a:lnR w="12240">
                       <a:solidFill>
-                        <a:srgbClr val="ffffff"/>
+                        <a:srgbClr val="FFFFFF"/>
                       </a:solidFill>
                     </a:lnR>
                     <a:lnT w="12240">
                       <a:solidFill>
-                        <a:srgbClr val="ffffff"/>
+                        <a:srgbClr val="FFFFFF"/>
                       </a:solidFill>
                     </a:lnT>
                     <a:lnB w="12240">
                       <a:solidFill>
-                        <a:srgbClr val="ffffff"/>
+                        <a:srgbClr val="FFFFFF"/>
                       </a:solidFill>
                     </a:lnB>
                     <a:solidFill>
-                      <a:srgbClr val="e8ebf4"/>
+                      <a:srgbClr val="E8EBF4"/>
                     </a:solidFill>
                   </a:tcPr>
                 </a:tc>
                 <a:tc>
                   <a:txBody>
-                    <a:bodyPr anchor="t">
-                      <a:noAutofit/>
-                    </a:bodyPr>
+                    <a:bodyPr/>
+                    <a:lstStyle/>
                     <a:p>
                       <a:pPr>
                         <a:lnSpc>
@@ -4123,7 +4609,7 @@
                         <a:buNone/>
                       </a:pPr>
                       <a:r>
-                        <a:rPr b="0" lang="de-DE" sz="1200" spc="-1" strike="noStrike">
+                        <a:rPr lang="de-DE" sz="1200" b="0" strike="noStrike" spc="-1">
                           <a:solidFill>
                             <a:srgbClr val="000000"/>
                           </a:solidFill>
@@ -4132,7 +4618,7 @@
                         </a:rPr>
                         <a:t>Nutzt die selbstgesteuerte Motivation der Initiatoren</a:t>
                       </a:r>
-                      <a:endParaRPr b="0" lang="de-DE" sz="1200" spc="-1" strike="noStrike">
+                      <a:endParaRPr lang="de-DE" sz="1200" b="0" strike="noStrike" spc="-1">
                         <a:latin typeface="Arial"/>
                       </a:endParaRPr>
                     </a:p>
@@ -4143,7 +4629,7 @@
                         </a:lnSpc>
                         <a:buNone/>
                       </a:pPr>
-                      <a:endParaRPr b="0" lang="de-DE" sz="1200" spc="-1" strike="noStrike">
+                      <a:endParaRPr lang="de-DE" sz="1200" b="0" strike="noStrike" spc="-1">
                         <a:latin typeface="Arial"/>
                       </a:endParaRPr>
                     </a:p>
@@ -4154,11 +4640,11 @@
                         </a:lnSpc>
                         <a:buNone/>
                         <a:tabLst>
-                          <a:tab algn="l" pos="0"/>
+                          <a:tab pos="0" algn="l"/>
                         </a:tabLst>
                       </a:pPr>
                       <a:r>
-                        <a:rPr b="0" lang="de-DE" sz="1200" spc="-1" strike="noStrike">
+                        <a:rPr lang="de-DE" sz="1200" b="0" strike="noStrike" spc="-1">
                           <a:solidFill>
                             <a:srgbClr val="000000"/>
                           </a:solidFill>
@@ -4167,42 +4653,41 @@
                         </a:rPr>
                         <a:t>Unterstützt Praktiker im Feld</a:t>
                       </a:r>
-                      <a:endParaRPr b="0" lang="de-DE" sz="1200" spc="-1" strike="noStrike">
+                      <a:endParaRPr lang="de-DE" sz="1200" b="0" strike="noStrike" spc="-1">
                         <a:latin typeface="Arial"/>
                       </a:endParaRPr>
                     </a:p>
                   </a:txBody>
-                  <a:tcPr anchor="t" marL="91440" marR="91440">
+                  <a:tcPr>
                     <a:lnL w="12240">
                       <a:solidFill>
-                        <a:srgbClr val="ffffff"/>
+                        <a:srgbClr val="FFFFFF"/>
                       </a:solidFill>
                     </a:lnL>
                     <a:lnR w="12240">
                       <a:solidFill>
-                        <a:srgbClr val="ffffff"/>
+                        <a:srgbClr val="FFFFFF"/>
                       </a:solidFill>
                     </a:lnR>
                     <a:lnT w="12240">
                       <a:solidFill>
-                        <a:srgbClr val="ffffff"/>
+                        <a:srgbClr val="FFFFFF"/>
                       </a:solidFill>
                     </a:lnT>
                     <a:lnB w="12240">
                       <a:solidFill>
-                        <a:srgbClr val="ffffff"/>
+                        <a:srgbClr val="FFFFFF"/>
                       </a:solidFill>
                     </a:lnB>
                     <a:solidFill>
-                      <a:srgbClr val="e8ebf4"/>
+                      <a:srgbClr val="E8EBF4"/>
                     </a:solidFill>
                   </a:tcPr>
                 </a:tc>
                 <a:tc>
                   <a:txBody>
-                    <a:bodyPr anchor="t">
-                      <a:noAutofit/>
-                    </a:bodyPr>
+                    <a:bodyPr/>
+                    <a:lstStyle/>
                     <a:p>
                       <a:pPr>
                         <a:lnSpc>
@@ -4211,7 +4696,7 @@
                         <a:buNone/>
                       </a:pPr>
                       <a:r>
-                        <a:rPr b="0" lang="de-DE" sz="1200" spc="-1" strike="noStrike">
+                        <a:rPr lang="de-DE" sz="1200" b="0" strike="noStrike" spc="-1">
                           <a:solidFill>
                             <a:srgbClr val="000000"/>
                           </a:solidFill>
@@ -4220,7 +4705,7 @@
                         </a:rPr>
                         <a:t>Mangelnde systematische Sicht auf den politischen Implementierungs-prozess</a:t>
                       </a:r>
-                      <a:endParaRPr b="0" lang="de-DE" sz="1200" spc="-1" strike="noStrike">
+                      <a:endParaRPr lang="de-DE" sz="1200" b="0" strike="noStrike" spc="-1">
                         <a:latin typeface="Arial"/>
                       </a:endParaRPr>
                     </a:p>
@@ -4231,7 +4716,7 @@
                         </a:lnSpc>
                         <a:buNone/>
                       </a:pPr>
-                      <a:endParaRPr b="0" lang="de-DE" sz="1200" spc="-1" strike="noStrike">
+                      <a:endParaRPr lang="de-DE" sz="1200" b="0" strike="noStrike" spc="-1">
                         <a:latin typeface="Arial"/>
                       </a:endParaRPr>
                     </a:p>
@@ -4243,7 +4728,7 @@
                         <a:buNone/>
                       </a:pPr>
                       <a:r>
-                        <a:rPr b="0" lang="de-DE" sz="1200" spc="-1" strike="noStrike">
+                        <a:rPr lang="de-DE" sz="1200" b="0" strike="noStrike" spc="-1">
                           <a:solidFill>
                             <a:srgbClr val="000000"/>
                           </a:solidFill>
@@ -4252,42 +4737,41 @@
                         </a:rPr>
                         <a:t>Aktivitäten laufen eventuell diametral zu anerkannten Verhaltensregeln</a:t>
                       </a:r>
-                      <a:endParaRPr b="0" lang="de-DE" sz="1200" spc="-1" strike="noStrike">
+                      <a:endParaRPr lang="de-DE" sz="1200" b="0" strike="noStrike" spc="-1">
                         <a:latin typeface="Arial"/>
                       </a:endParaRPr>
                     </a:p>
                   </a:txBody>
-                  <a:tcPr anchor="t" marL="91440" marR="91440">
+                  <a:tcPr>
                     <a:lnL w="12240">
                       <a:solidFill>
-                        <a:srgbClr val="ffffff"/>
+                        <a:srgbClr val="FFFFFF"/>
                       </a:solidFill>
                     </a:lnL>
                     <a:lnR w="12240">
                       <a:solidFill>
-                        <a:srgbClr val="ffffff"/>
+                        <a:srgbClr val="FFFFFF"/>
                       </a:solidFill>
                     </a:lnR>
                     <a:lnT w="12240">
                       <a:solidFill>
-                        <a:srgbClr val="ffffff"/>
+                        <a:srgbClr val="FFFFFF"/>
                       </a:solidFill>
                     </a:lnT>
                     <a:lnB w="12240">
                       <a:solidFill>
-                        <a:srgbClr val="ffffff"/>
+                        <a:srgbClr val="FFFFFF"/>
                       </a:solidFill>
                     </a:lnB>
                     <a:solidFill>
-                      <a:srgbClr val="e8ebf4"/>
+                      <a:srgbClr val="E8EBF4"/>
                     </a:solidFill>
                   </a:tcPr>
                 </a:tc>
                 <a:tc>
                   <a:txBody>
-                    <a:bodyPr anchor="t">
-                      <a:noAutofit/>
-                    </a:bodyPr>
+                    <a:bodyPr/>
+                    <a:lstStyle/>
                     <a:p>
                       <a:pPr>
                         <a:lnSpc>
@@ -4296,7 +4780,7 @@
                         <a:buNone/>
                       </a:pPr>
                       <a:r>
-                        <a:rPr b="0" lang="de-DE" sz="1200" spc="-1" strike="noStrike">
+                        <a:rPr lang="de-DE" sz="1200" b="0" strike="noStrike" spc="-1">
                           <a:solidFill>
                             <a:srgbClr val="000000"/>
                           </a:solidFill>
@@ -4305,44 +4789,48 @@
                         </a:rPr>
                         <a:t>Empfohlen, wenn Praktiken von einer kleinen Gruppe intrinsisch motivierter Personen/Gruppen auf den Mainstream ausgeweitet werden sollen. </a:t>
                       </a:r>
-                      <a:endParaRPr b="0" lang="de-DE" sz="1200" spc="-1" strike="noStrike">
+                      <a:endParaRPr lang="de-DE" sz="1200" b="0" strike="noStrike" spc="-1">
                         <a:latin typeface="Arial"/>
                       </a:endParaRPr>
                     </a:p>
                   </a:txBody>
-                  <a:tcPr anchor="t" marL="91440" marR="91440">
+                  <a:tcPr>
                     <a:lnL w="12240">
                       <a:solidFill>
-                        <a:srgbClr val="ffffff"/>
+                        <a:srgbClr val="FFFFFF"/>
                       </a:solidFill>
                     </a:lnL>
                     <a:lnR w="12240">
                       <a:solidFill>
-                        <a:srgbClr val="ffffff"/>
+                        <a:srgbClr val="FFFFFF"/>
                       </a:solidFill>
                     </a:lnR>
                     <a:lnT w="12240">
                       <a:solidFill>
-                        <a:srgbClr val="ffffff"/>
+                        <a:srgbClr val="FFFFFF"/>
                       </a:solidFill>
                     </a:lnT>
                     <a:lnB w="12240">
                       <a:solidFill>
-                        <a:srgbClr val="ffffff"/>
+                        <a:srgbClr val="FFFFFF"/>
                       </a:solidFill>
                     </a:lnB>
                     <a:solidFill>
-                      <a:srgbClr val="e8ebf4"/>
+                      <a:srgbClr val="E8EBF4"/>
                     </a:solidFill>
                   </a:tcPr>
                 </a:tc>
+                <a:extLst>
+                  <a:ext uri="{0D108BD9-81ED-4DB2-BD59-A6C34878D82A}">
+                    <a16:rowId xmlns:a16="http://schemas.microsoft.com/office/drawing/2014/main" val="10002"/>
+                  </a:ext>
+                </a:extLst>
               </a:tr>
               <a:tr h="370800">
                 <a:tc>
                   <a:txBody>
-                    <a:bodyPr anchor="t">
-                      <a:noAutofit/>
-                    </a:bodyPr>
+                    <a:bodyPr/>
+                    <a:lstStyle/>
                     <a:p>
                       <a:pPr>
                         <a:lnSpc>
@@ -4351,7 +4839,7 @@
                         <a:buNone/>
                       </a:pPr>
                       <a:r>
-                        <a:rPr b="1" lang="de-DE" sz="1400" spc="-1" strike="noStrike">
+                        <a:rPr lang="de-DE" sz="1400" b="1" strike="noStrike" spc="-1">
                           <a:solidFill>
                             <a:srgbClr val="000000"/>
                           </a:solidFill>
@@ -4359,42 +4847,41 @@
                         </a:rPr>
                         <a:t>Mixed</a:t>
                       </a:r>
-                      <a:endParaRPr b="0" lang="de-DE" sz="1400" spc="-1" strike="noStrike">
+                      <a:endParaRPr lang="de-DE" sz="1400" b="0" strike="noStrike" spc="-1">
                         <a:latin typeface="Arial"/>
                       </a:endParaRPr>
                     </a:p>
                   </a:txBody>
-                  <a:tcPr anchor="t" marL="91440" marR="91440">
+                  <a:tcPr>
                     <a:lnL w="12240">
                       <a:solidFill>
-                        <a:srgbClr val="ffffff"/>
+                        <a:srgbClr val="FFFFFF"/>
                       </a:solidFill>
                     </a:lnL>
                     <a:lnR w="12240">
                       <a:solidFill>
-                        <a:srgbClr val="ffffff"/>
+                        <a:srgbClr val="FFFFFF"/>
                       </a:solidFill>
                     </a:lnR>
                     <a:lnT w="12240">
                       <a:solidFill>
-                        <a:srgbClr val="ffffff"/>
+                        <a:srgbClr val="FFFFFF"/>
                       </a:solidFill>
                     </a:lnT>
                     <a:lnB w="12240">
                       <a:solidFill>
-                        <a:srgbClr val="ffffff"/>
+                        <a:srgbClr val="FFFFFF"/>
                       </a:solidFill>
                     </a:lnB>
                     <a:solidFill>
-                      <a:srgbClr val="cfd5e9"/>
+                      <a:srgbClr val="CFD5E9"/>
                     </a:solidFill>
                   </a:tcPr>
                 </a:tc>
                 <a:tc>
                   <a:txBody>
-                    <a:bodyPr anchor="t">
-                      <a:noAutofit/>
-                    </a:bodyPr>
+                    <a:bodyPr/>
+                    <a:lstStyle/>
                     <a:p>
                       <a:pPr>
                         <a:lnSpc>
@@ -4403,7 +4890,7 @@
                         <a:buNone/>
                       </a:pPr>
                       <a:r>
-                        <a:rPr b="0" lang="de-DE" sz="1200" spc="-1" strike="noStrike">
+                        <a:rPr lang="de-DE" sz="1200" b="0" strike="noStrike" spc="-1">
                           <a:solidFill>
                             <a:srgbClr val="000000"/>
                           </a:solidFill>
@@ -4412,42 +4899,41 @@
                         </a:rPr>
                         <a:t>Kombiniert die Vorteile von Top-Down und Bottom-Up, unter Berücksichtigung beider Ansätze.</a:t>
                       </a:r>
-                      <a:endParaRPr b="0" lang="de-DE" sz="1200" spc="-1" strike="noStrike">
+                      <a:endParaRPr lang="de-DE" sz="1200" b="0" strike="noStrike" spc="-1">
                         <a:latin typeface="Arial"/>
                       </a:endParaRPr>
                     </a:p>
                   </a:txBody>
-                  <a:tcPr anchor="t" marL="91440" marR="91440">
+                  <a:tcPr>
                     <a:lnL w="12240">
                       <a:solidFill>
-                        <a:srgbClr val="ffffff"/>
+                        <a:srgbClr val="FFFFFF"/>
                       </a:solidFill>
                     </a:lnL>
                     <a:lnR w="12240">
                       <a:solidFill>
-                        <a:srgbClr val="ffffff"/>
+                        <a:srgbClr val="FFFFFF"/>
                       </a:solidFill>
                     </a:lnR>
                     <a:lnT w="12240">
                       <a:solidFill>
-                        <a:srgbClr val="ffffff"/>
+                        <a:srgbClr val="FFFFFF"/>
                       </a:solidFill>
                     </a:lnT>
                     <a:lnB w="12240">
                       <a:solidFill>
-                        <a:srgbClr val="ffffff"/>
+                        <a:srgbClr val="FFFFFF"/>
                       </a:solidFill>
                     </a:lnB>
                     <a:solidFill>
-                      <a:srgbClr val="cfd5e9"/>
+                      <a:srgbClr val="CFD5E9"/>
                     </a:solidFill>
                   </a:tcPr>
                 </a:tc>
                 <a:tc>
                   <a:txBody>
-                    <a:bodyPr anchor="t">
-                      <a:noAutofit/>
-                    </a:bodyPr>
+                    <a:bodyPr/>
+                    <a:lstStyle/>
                     <a:p>
                       <a:pPr>
                         <a:lnSpc>
@@ -4456,7 +4942,7 @@
                         <a:buNone/>
                       </a:pPr>
                       <a:r>
-                        <a:rPr b="0" lang="de-DE" sz="1200" spc="-1" strike="noStrike">
+                        <a:rPr lang="de-DE" sz="1200" b="0" strike="noStrike" spc="-1">
                           <a:solidFill>
                             <a:srgbClr val="000000"/>
                           </a:solidFill>
@@ -4464,42 +4950,41 @@
                         </a:rPr>
                         <a:t>Durch die Integration zentraler Steuerungsmomente von oben und Initiativen von unten können Synergieeffekte aus systemischer Effizienz sowie Relevanz und Akzeptanz aus der Basis maximiert werden</a:t>
                       </a:r>
-                      <a:endParaRPr b="0" lang="de-DE" sz="1200" spc="-1" strike="noStrike">
+                      <a:endParaRPr lang="de-DE" sz="1200" b="0" strike="noStrike" spc="-1">
                         <a:latin typeface="Arial"/>
                       </a:endParaRPr>
                     </a:p>
                   </a:txBody>
-                  <a:tcPr anchor="t" marL="91440" marR="91440">
+                  <a:tcPr>
                     <a:lnL w="12240">
                       <a:solidFill>
-                        <a:srgbClr val="ffffff"/>
+                        <a:srgbClr val="FFFFFF"/>
                       </a:solidFill>
                     </a:lnL>
                     <a:lnR w="12240">
                       <a:solidFill>
-                        <a:srgbClr val="ffffff"/>
+                        <a:srgbClr val="FFFFFF"/>
                       </a:solidFill>
                     </a:lnR>
                     <a:lnT w="12240">
                       <a:solidFill>
-                        <a:srgbClr val="ffffff"/>
+                        <a:srgbClr val="FFFFFF"/>
                       </a:solidFill>
                     </a:lnT>
                     <a:lnB w="12240">
                       <a:solidFill>
-                        <a:srgbClr val="ffffff"/>
+                        <a:srgbClr val="FFFFFF"/>
                       </a:solidFill>
                     </a:lnB>
                     <a:solidFill>
-                      <a:srgbClr val="cfd5e9"/>
+                      <a:srgbClr val="CFD5E9"/>
                     </a:solidFill>
                   </a:tcPr>
                 </a:tc>
                 <a:tc>
                   <a:txBody>
-                    <a:bodyPr anchor="t">
-                      <a:noAutofit/>
-                    </a:bodyPr>
+                    <a:bodyPr/>
+                    <a:lstStyle/>
                     <a:p>
                       <a:pPr>
                         <a:lnSpc>
@@ -4508,7 +4993,7 @@
                         <a:buNone/>
                       </a:pPr>
                       <a:r>
-                        <a:rPr b="0" lang="de-DE" sz="1200" spc="-1" strike="noStrike">
+                        <a:rPr lang="de-DE" sz="1200" b="0" strike="noStrike" spc="-1">
                           <a:solidFill>
                             <a:srgbClr val="000000"/>
                           </a:solidFill>
@@ -4517,42 +5002,41 @@
                         </a:rPr>
                         <a:t>Ermöglicht Anpassung an unbekannte indirekte Effekte der OER-Politik und fördert Eigentümerschaft. </a:t>
                       </a:r>
-                      <a:endParaRPr b="0" lang="de-DE" sz="1200" spc="-1" strike="noStrike">
+                      <a:endParaRPr lang="de-DE" sz="1200" b="0" strike="noStrike" spc="-1">
                         <a:latin typeface="Arial"/>
                       </a:endParaRPr>
                     </a:p>
                   </a:txBody>
-                  <a:tcPr anchor="t" marL="91440" marR="91440">
+                  <a:tcPr>
                     <a:lnL w="12240">
                       <a:solidFill>
-                        <a:srgbClr val="ffffff"/>
+                        <a:srgbClr val="FFFFFF"/>
                       </a:solidFill>
                     </a:lnL>
                     <a:lnR w="12240">
                       <a:solidFill>
-                        <a:srgbClr val="ffffff"/>
+                        <a:srgbClr val="FFFFFF"/>
                       </a:solidFill>
                     </a:lnR>
                     <a:lnT w="12240">
                       <a:solidFill>
-                        <a:srgbClr val="ffffff"/>
+                        <a:srgbClr val="FFFFFF"/>
                       </a:solidFill>
                     </a:lnT>
                     <a:lnB w="12240">
                       <a:solidFill>
-                        <a:srgbClr val="ffffff"/>
+                        <a:srgbClr val="FFFFFF"/>
                       </a:solidFill>
                     </a:lnB>
                     <a:solidFill>
-                      <a:srgbClr val="cfd5e9"/>
+                      <a:srgbClr val="CFD5E9"/>
                     </a:solidFill>
                   </a:tcPr>
                 </a:tc>
                 <a:tc>
                   <a:txBody>
-                    <a:bodyPr anchor="t">
-                      <a:noAutofit/>
-                    </a:bodyPr>
+                    <a:bodyPr/>
+                    <a:lstStyle/>
                     <a:p>
                       <a:pPr>
                         <a:lnSpc>
@@ -4561,7 +5045,7 @@
                         <a:buNone/>
                       </a:pPr>
                       <a:r>
-                        <a:rPr b="0" lang="de-DE" sz="1200" spc="-1" strike="noStrike">
+                        <a:rPr lang="de-DE" sz="1200" b="0" strike="noStrike" spc="-1">
                           <a:solidFill>
                             <a:srgbClr val="000000"/>
                           </a:solidFill>
@@ -4570,42 +5054,41 @@
                         </a:rPr>
                         <a:t>Erfordert eine sorgfältige Abwägung und Koordination zwischen den Ansätzen. </a:t>
                       </a:r>
-                      <a:endParaRPr b="0" lang="de-DE" sz="1200" spc="-1" strike="noStrike">
+                      <a:endParaRPr lang="de-DE" sz="1200" b="0" strike="noStrike" spc="-1">
                         <a:latin typeface="Arial"/>
                       </a:endParaRPr>
                     </a:p>
                   </a:txBody>
-                  <a:tcPr anchor="t" marL="91440" marR="91440">
+                  <a:tcPr>
                     <a:lnL w="12240">
                       <a:solidFill>
-                        <a:srgbClr val="ffffff"/>
+                        <a:srgbClr val="FFFFFF"/>
                       </a:solidFill>
                     </a:lnL>
                     <a:lnR w="12240">
                       <a:solidFill>
-                        <a:srgbClr val="ffffff"/>
+                        <a:srgbClr val="FFFFFF"/>
                       </a:solidFill>
                     </a:lnR>
                     <a:lnT w="12240">
                       <a:solidFill>
-                        <a:srgbClr val="ffffff"/>
+                        <a:srgbClr val="FFFFFF"/>
                       </a:solidFill>
                     </a:lnT>
                     <a:lnB w="12240">
                       <a:solidFill>
-                        <a:srgbClr val="ffffff"/>
+                        <a:srgbClr val="FFFFFF"/>
                       </a:solidFill>
                     </a:lnB>
                     <a:solidFill>
-                      <a:srgbClr val="cfd5e9"/>
+                      <a:srgbClr val="CFD5E9"/>
                     </a:solidFill>
                   </a:tcPr>
                 </a:tc>
                 <a:tc>
                   <a:txBody>
-                    <a:bodyPr anchor="t">
-                      <a:noAutofit/>
-                    </a:bodyPr>
+                    <a:bodyPr/>
+                    <a:lstStyle/>
                     <a:p>
                       <a:pPr>
                         <a:lnSpc>
@@ -4614,7 +5097,7 @@
                         <a:buNone/>
                       </a:pPr>
                       <a:r>
-                        <a:rPr b="0" lang="de-DE" sz="1200" spc="-1" strike="noStrike">
+                        <a:rPr lang="de-DE" sz="1200" b="0" strike="noStrike" spc="-1">
                           <a:solidFill>
                             <a:srgbClr val="000000"/>
                           </a:solidFill>
@@ -4623,37 +5106,42 @@
                         </a:rPr>
                         <a:t>Empfohlen, wenn viele Veränderungen notwendig sind, um größere OER-Aktivitäten zu starten. </a:t>
                       </a:r>
-                      <a:endParaRPr b="0" lang="de-DE" sz="1200" spc="-1" strike="noStrike">
+                      <a:endParaRPr lang="de-DE" sz="1200" b="0" strike="noStrike" spc="-1">
                         <a:latin typeface="Arial"/>
                       </a:endParaRPr>
                     </a:p>
                   </a:txBody>
-                  <a:tcPr anchor="t" marL="91440" marR="91440">
+                  <a:tcPr>
                     <a:lnL w="12240">
                       <a:solidFill>
-                        <a:srgbClr val="ffffff"/>
+                        <a:srgbClr val="FFFFFF"/>
                       </a:solidFill>
                     </a:lnL>
                     <a:lnR w="12240">
                       <a:solidFill>
-                        <a:srgbClr val="ffffff"/>
+                        <a:srgbClr val="FFFFFF"/>
                       </a:solidFill>
                     </a:lnR>
                     <a:lnT w="12240">
                       <a:solidFill>
-                        <a:srgbClr val="ffffff"/>
+                        <a:srgbClr val="FFFFFF"/>
                       </a:solidFill>
                     </a:lnT>
                     <a:lnB w="12240">
                       <a:solidFill>
-                        <a:srgbClr val="ffffff"/>
+                        <a:srgbClr val="FFFFFF"/>
                       </a:solidFill>
                     </a:lnB>
                     <a:solidFill>
-                      <a:srgbClr val="cfd5e9"/>
+                      <a:srgbClr val="CFD5E9"/>
                     </a:solidFill>
                   </a:tcPr>
                 </a:tc>
+                <a:extLst>
+                  <a:ext uri="{0D108BD9-81ED-4DB2-BD59-A6C34878D82A}">
+                    <a16:rowId xmlns:a16="http://schemas.microsoft.com/office/drawing/2014/main" val="10003"/>
+                  </a:ext>
+                </a:extLst>
               </a:tr>
             </a:tbl>
           </a:graphicData>
@@ -4661,14 +5149,14 @@
       </p:graphicFrame>
       <p:pic>
         <p:nvPicPr>
-          <p:cNvPr id="43" name="Grafik 4" descr="">
-            <a:hlinkClick r:id="rId2"/>
+          <p:cNvPr id="43" name="Grafik 4">
+            <a:hlinkClick r:id="rId3"/>
           </p:cNvPr>
           <p:cNvPicPr/>
           <p:nvPr/>
         </p:nvPicPr>
         <p:blipFill>
-          <a:blip r:embed="rId3"/>
+          <a:blip r:embed="rId4"/>
           <a:stretch/>
         </p:blipFill>
         <p:spPr>
@@ -4693,7 +5181,7 @@
         <p:spPr>
           <a:xfrm>
             <a:off x="6211080" y="6266160"/>
-            <a:ext cx="7227360" cy="576360"/>
+            <a:ext cx="5661047" cy="460211"/>
           </a:xfrm>
           <a:prstGeom prst="rect">
             <a:avLst/>
@@ -4704,15 +5192,22 @@
           </a:ln>
         </p:spPr>
         <p:style>
-          <a:lnRef idx="0"/>
-          <a:fillRef idx="0"/>
-          <a:effectRef idx="0"/>
+          <a:lnRef idx="0">
+            <a:scrgbClr r="0" g="0" b="0"/>
+          </a:lnRef>
+          <a:fillRef idx="0">
+            <a:scrgbClr r="0" g="0" b="0"/>
+          </a:fillRef>
+          <a:effectRef idx="0">
+            <a:scrgbClr r="0" g="0" b="0"/>
+          </a:effectRef>
           <a:fontRef idx="minor"/>
         </p:style>
         <p:txBody>
-          <a:bodyPr lIns="90000" rIns="90000" tIns="45000" bIns="45000" anchor="t">
+          <a:bodyPr wrap="square" lIns="90000" tIns="45000" rIns="90000" bIns="45000" anchor="t">
             <a:spAutoFit/>
           </a:bodyPr>
+          <a:lstStyle/>
           <a:p>
             <a:pPr>
               <a:lnSpc>
@@ -4721,80 +5216,180 @@
               <a:buNone/>
             </a:pPr>
             <a:r>
-              <a:rPr b="0" lang="en-US" sz="800" spc="-1" strike="noStrike">
+              <a:rPr lang="en-US" sz="800" b="0" strike="noStrike" spc="-1" dirty="0" smtClean="0">
+                <a:solidFill>
+                  <a:srgbClr val="000000"/>
+                </a:solidFill>
+                <a:latin typeface="Calibri"/>
+                <a:hlinkClick r:id="rId2"/>
+              </a:rPr>
+              <a:t>Guidelines </a:t>
+            </a:r>
+            <a:r>
+              <a:rPr lang="en-US" sz="800" b="0" strike="noStrike" spc="-1" dirty="0">
+                <a:solidFill>
+                  <a:srgbClr val="000000"/>
+                </a:solidFill>
+                <a:latin typeface="Calibri"/>
+                <a:hlinkClick r:id="rId2"/>
+              </a:rPr>
+              <a:t>on the development of open educational resources </a:t>
+            </a:r>
+            <a:r>
+              <a:rPr lang="en-US" sz="800" b="0" strike="noStrike" spc="-1" dirty="0" smtClean="0">
+                <a:solidFill>
+                  <a:srgbClr val="000000"/>
+                </a:solidFill>
+                <a:latin typeface="Calibri"/>
+                <a:hlinkClick r:id="rId2"/>
+              </a:rPr>
+              <a:t>policies</a:t>
+            </a:r>
+            <a:r>
+              <a:rPr lang="en-US" sz="800" b="0" strike="noStrike" spc="-1" dirty="0" smtClean="0">
                 <a:solidFill>
                   <a:srgbClr val="000000"/>
                 </a:solidFill>
                 <a:latin typeface="Calibri"/>
               </a:rPr>
-              <a:t>Quelle: Guidelines on the development of open educational resources policies: UNESCO &amp; COMMONWEALTH OF LEARNING (2019) </a:t>
+              <a:t> von UNESCO </a:t>
             </a:r>
-            <a:br>
-              <a:rPr sz="800"/>
-            </a:br>
             <a:r>
-              <a:rPr b="0" lang="en-US" sz="800" spc="-1" strike="noStrike" u="sng">
-                <a:solidFill>
-                  <a:srgbClr val="0563c1"/>
-                </a:solidFill>
-                <a:uFillTx/>
-                <a:latin typeface="Calibri"/>
-                <a:hlinkClick r:id="rId4"/>
-              </a:rPr>
-              <a:t>https://www.unesco.de/sites/default/files/2020-01/Guidelines_on_the_Development_of_OER_Policies_2019.pdf</a:t>
-            </a:r>
-            <a:endParaRPr b="0" lang="de-DE" sz="800" spc="-1" strike="noStrike">
-              <a:latin typeface="Arial"/>
-            </a:endParaRPr>
-          </a:p>
-          <a:p>
-            <a:pPr>
-              <a:lnSpc>
-                <a:spcPct val="100000"/>
-              </a:lnSpc>
-              <a:buNone/>
-            </a:pPr>
-            <a:r>
-              <a:rPr b="0" lang="en-US" sz="800" spc="-1" strike="noStrike">
+              <a:rPr lang="en-US" sz="800" b="0" strike="noStrike" spc="-1" dirty="0">
                 <a:solidFill>
                   <a:srgbClr val="000000"/>
                 </a:solidFill>
                 <a:latin typeface="Calibri"/>
               </a:rPr>
-              <a:t>Deutsche Zusammenfassung für das OER Policy Kit: Stefanie Legler (2024)</a:t>
+              <a:t>&amp; COMMONWEALTH OF LEARNING </a:t>
             </a:r>
-            <a:br>
-              <a:rPr sz="800"/>
-            </a:br>
             <a:r>
-              <a:rPr b="0" lang="en-US" sz="800" spc="-1" strike="noStrike">
+              <a:rPr lang="en-US" sz="800" spc="-1" dirty="0" err="1" smtClean="0">
                 <a:solidFill>
                   <a:srgbClr val="000000"/>
                 </a:solidFill>
                 <a:latin typeface="Calibri"/>
               </a:rPr>
-              <a:t>[</a:t>
+              <a:t>lizenziert</a:t>
             </a:r>
             <a:r>
-              <a:rPr b="0" lang="en-US" sz="800" spc="-1" strike="noStrike">
+              <a:rPr lang="en-US" sz="800" spc="-1" dirty="0" smtClean="0">
+                <a:solidFill>
+                  <a:srgbClr val="000000"/>
+                </a:solidFill>
+                <a:latin typeface="Calibri"/>
+              </a:rPr>
+              <a:t> </a:t>
+            </a:r>
+            <a:r>
+              <a:rPr lang="en-US" sz="800" spc="-1" dirty="0" err="1" smtClean="0">
+                <a:solidFill>
+                  <a:srgbClr val="000000"/>
+                </a:solidFill>
+                <a:latin typeface="Calibri"/>
+              </a:rPr>
+              <a:t>unter</a:t>
+            </a:r>
+            <a:r>
+              <a:rPr lang="en-US" sz="800" spc="-1" dirty="0" smtClean="0">
+                <a:solidFill>
+                  <a:srgbClr val="000000"/>
+                </a:solidFill>
+                <a:latin typeface="Calibri"/>
+              </a:rPr>
+              <a:t> </a:t>
+            </a:r>
+            <a:r>
+              <a:rPr lang="en-US" sz="800" spc="-1" dirty="0" smtClean="0">
                 <a:solidFill>
                   <a:srgbClr val="000000"/>
                 </a:solidFill>
                 <a:latin typeface="Calibri"/>
                 <a:hlinkClick r:id="rId5"/>
               </a:rPr>
-              <a:t>https://tinyurl.com/ytkv5fvs</a:t>
+              <a:t>CC BY-SA</a:t>
             </a:r>
             <a:r>
-              <a:rPr b="0" lang="en-US" sz="800" spc="-1" strike="noStrike">
+              <a:rPr sz="800" dirty="0"/>
+              <a:t/>
+            </a:r>
+            <a:br>
+              <a:rPr sz="800" dirty="0"/>
+            </a:br>
+            <a:r>
+              <a:rPr lang="en-US" sz="800" b="0" strike="noStrike" spc="-1" dirty="0" smtClean="0">
                 <a:solidFill>
                   <a:srgbClr val="000000"/>
                 </a:solidFill>
                 <a:latin typeface="Calibri"/>
               </a:rPr>
-              <a:t>]</a:t>
+              <a:t>Deutsche </a:t>
             </a:r>
-            <a:endParaRPr b="0" lang="de-DE" sz="800" spc="-1" strike="noStrike">
+            <a:r>
+              <a:rPr lang="en-US" sz="800" b="0" strike="noStrike" spc="-1" dirty="0" err="1">
+                <a:solidFill>
+                  <a:srgbClr val="000000"/>
+                </a:solidFill>
+                <a:latin typeface="Calibri"/>
+              </a:rPr>
+              <a:t>Zusammenfassung</a:t>
+            </a:r>
+            <a:r>
+              <a:rPr lang="en-US" sz="800" b="0" strike="noStrike" spc="-1" dirty="0">
+                <a:solidFill>
+                  <a:srgbClr val="000000"/>
+                </a:solidFill>
+                <a:latin typeface="Calibri"/>
+              </a:rPr>
+              <a:t> </a:t>
+            </a:r>
+            <a:r>
+              <a:rPr lang="en-US" sz="800" b="0" strike="noStrike" spc="-1" dirty="0" err="1">
+                <a:solidFill>
+                  <a:srgbClr val="000000"/>
+                </a:solidFill>
+                <a:latin typeface="Calibri"/>
+              </a:rPr>
+              <a:t>für</a:t>
+            </a:r>
+            <a:r>
+              <a:rPr lang="en-US" sz="800" b="0" strike="noStrike" spc="-1" dirty="0">
+                <a:solidFill>
+                  <a:srgbClr val="000000"/>
+                </a:solidFill>
+                <a:latin typeface="Calibri"/>
+              </a:rPr>
+              <a:t> das </a:t>
+            </a:r>
+            <a:r>
+              <a:rPr lang="en-US" sz="800" b="0" strike="noStrike" spc="-1" dirty="0">
+                <a:solidFill>
+                  <a:srgbClr val="000000"/>
+                </a:solidFill>
+                <a:latin typeface="Calibri"/>
+                <a:hlinkClick r:id="rId6"/>
+              </a:rPr>
+              <a:t>OER Policy Kit</a:t>
+            </a:r>
+            <a:r>
+              <a:rPr lang="en-US" sz="800" b="0" strike="noStrike" spc="-1" dirty="0">
+                <a:solidFill>
+                  <a:srgbClr val="000000"/>
+                </a:solidFill>
+                <a:latin typeface="Calibri"/>
+              </a:rPr>
+              <a:t>: Stefanie Legler (2024</a:t>
+            </a:r>
+            <a:r>
+              <a:rPr lang="en-US" sz="800" b="0" strike="noStrike" spc="-1" dirty="0" smtClean="0">
+                <a:solidFill>
+                  <a:srgbClr val="000000"/>
+                </a:solidFill>
+                <a:latin typeface="Calibri"/>
+              </a:rPr>
+              <a:t>)</a:t>
+            </a:r>
+            <a:endParaRPr lang="de-DE" sz="800" b="0" strike="noStrike" spc="-1" dirty="0">
               <a:latin typeface="Arial"/>
             </a:endParaRPr>
           </a:p>
@@ -4820,15 +5415,22 @@
           </a:ln>
         </p:spPr>
         <p:style>
-          <a:lnRef idx="0"/>
-          <a:fillRef idx="0"/>
-          <a:effectRef idx="0"/>
+          <a:lnRef idx="0">
+            <a:scrgbClr r="0" g="0" b="0"/>
+          </a:lnRef>
+          <a:fillRef idx="0">
+            <a:scrgbClr r="0" g="0" b="0"/>
+          </a:fillRef>
+          <a:effectRef idx="0">
+            <a:scrgbClr r="0" g="0" b="0"/>
+          </a:effectRef>
           <a:fontRef idx="minor"/>
         </p:style>
         <p:txBody>
-          <a:bodyPr lIns="90000" rIns="90000" tIns="45000" bIns="45000" anchor="t">
+          <a:bodyPr lIns="90000" tIns="45000" rIns="90000" bIns="45000" anchor="t">
             <a:spAutoFit/>
           </a:bodyPr>
+          <a:lstStyle/>
           <a:p>
             <a:pPr>
               <a:lnSpc>
@@ -4837,7 +5439,7 @@
               <a:buNone/>
             </a:pPr>
             <a:r>
-              <a:rPr b="1" lang="de-DE" sz="2400" spc="-1" strike="noStrike">
+              <a:rPr lang="de-DE" sz="2400" b="1" strike="noStrike" spc="-1">
                 <a:solidFill>
                   <a:srgbClr val="000000"/>
                 </a:solidFill>
@@ -4845,7 +5447,7 @@
               </a:rPr>
               <a:t>Governance Ansätze im Vergleich</a:t>
             </a:r>
-            <a:endParaRPr b="0" lang="de-DE" sz="2400" spc="-1" strike="noStrike">
+            <a:endParaRPr lang="de-DE" sz="2400" b="0" strike="noStrike" spc="-1">
               <a:latin typeface="Arial"/>
             </a:endParaRPr>
           </a:p>
@@ -4853,11 +5455,14 @@
       </p:sp>
     </p:spTree>
   </p:cSld>
-  <mc:AlternateContent>
+  <p:clrMapOvr>
+    <a:masterClrMapping/>
+  </p:clrMapOvr>
+  <mc:AlternateContent xmlns:mc="http://schemas.openxmlformats.org/markup-compatibility/2006" xmlns:p14="http://schemas.microsoft.com/office/powerpoint/2010/main">
     <mc:Choice Requires="p14">
       <p:transition spd="slow" p14:dur="2000"/>
     </mc:Choice>
-    <mc:Fallback>
+    <mc:Fallback xmlns:p15="http://schemas.microsoft.com/office/powerpoint/2012/main" xmlns="">
       <p:transition spd="slow"/>
     </mc:Fallback>
   </mc:AlternateContent>
@@ -4875,34 +5480,34 @@
         <a:sysClr val="window" lastClr="FFFFFF"/>
       </a:lt1>
       <a:dk2>
-        <a:srgbClr val="44546a"/>
+        <a:srgbClr val="44546A"/>
       </a:dk2>
       <a:lt2>
-        <a:srgbClr val="e7e6e6"/>
+        <a:srgbClr val="E7E6E6"/>
       </a:lt2>
       <a:accent1>
-        <a:srgbClr val="4472c4"/>
+        <a:srgbClr val="4472C4"/>
       </a:accent1>
       <a:accent2>
-        <a:srgbClr val="ed7d31"/>
+        <a:srgbClr val="ED7D31"/>
       </a:accent2>
       <a:accent3>
-        <a:srgbClr val="a5a5a5"/>
+        <a:srgbClr val="A5A5A5"/>
       </a:accent3>
       <a:accent4>
-        <a:srgbClr val="ffc000"/>
+        <a:srgbClr val="FFC000"/>
       </a:accent4>
       <a:accent5>
-        <a:srgbClr val="5b9bd5"/>
+        <a:srgbClr val="5B9BD5"/>
       </a:accent5>
       <a:accent6>
-        <a:srgbClr val="70ad47"/>
+        <a:srgbClr val="70AD47"/>
       </a:accent6>
       <a:hlink>
-        <a:srgbClr val="0563c1"/>
+        <a:srgbClr val="0563C1"/>
       </a:hlink>
       <a:folHlink>
-        <a:srgbClr val="954f72"/>
+        <a:srgbClr val="954F72"/>
       </a:folHlink>
     </a:clrScheme>
     <a:fontScheme name="Office">
@@ -5087,5 +5692,7 @@
       </a:bgFillStyleLst>
     </a:fmtScheme>
   </a:themeElements>
+  <a:objectDefaults/>
+  <a:extraClrSchemeLst/>
 </a:theme>
 </file>